--- a/Dokumentation/Entwicklung eines Intelligentenempfehlungssystems.pptx
+++ b/Dokumentation/Entwicklung eines Intelligentenempfehlungssystems.pptx
@@ -6,7 +6,7 @@
     <p:sldMasterId id="2147483673" r:id="rId2"/>
   </p:sldMasterIdLst>
   <p:notesMasterIdLst>
-    <p:notesMasterId r:id="rId8"/>
+    <p:notesMasterId r:id="rId9"/>
   </p:notesMasterIdLst>
   <p:sldIdLst>
     <p:sldId id="257" r:id="rId3"/>
@@ -14,6 +14,7 @@
     <p:sldId id="262" r:id="rId5"/>
     <p:sldId id="260" r:id="rId6"/>
     <p:sldId id="261" r:id="rId7"/>
+    <p:sldId id="263" r:id="rId8"/>
   </p:sldIdLst>
   <p:sldSz cx="12192000" cy="6858000"/>
   <p:notesSz cx="6858000" cy="9144000"/>
@@ -7672,12 +7673,29 @@
           <a:bodyPr/>
           <a:lstStyle/>
           <a:p>
+            <a:pPr marL="0" indent="0">
+              <a:buNone/>
+            </a:pPr>
+            <a:r>
+              <a:rPr lang="de-DE" dirty="0"/>
+              <a:t>Vorteile </a:t>
+            </a:r>
+            <a:r>
+              <a:rPr lang="de-DE"/>
+              <a:t>der MVC-Architektur</a:t>
+            </a:r>
+            <a:r>
+              <a:rPr lang="de-DE" dirty="0"/>
+              <a:t>:</a:t>
+            </a:r>
+          </a:p>
+          <a:p>
             <a:endParaRPr lang="de-DE" dirty="0"/>
           </a:p>
           <a:p>
             <a:r>
               <a:rPr lang="de-DE" dirty="0"/>
-              <a:t>Erleichtertes Debugging</a:t>
+              <a:t>Klare Trennung von Verantwortlichkeiten</a:t>
             </a:r>
           </a:p>
           <a:p>
@@ -7686,7 +7704,7 @@
           <a:p>
             <a:r>
               <a:rPr lang="de-DE" dirty="0"/>
-              <a:t>Wiederverwendbarkeit</a:t>
+              <a:t>Wiederverwendbarkeit und Modularität</a:t>
             </a:r>
           </a:p>
           <a:p>
@@ -7695,7 +7713,7 @@
           <a:p>
             <a:r>
               <a:rPr lang="de-DE" dirty="0"/>
-              <a:t>Erweiterbar</a:t>
+              <a:t>Bessere Übersicht und Struktur im Code</a:t>
             </a:r>
           </a:p>
         </p:txBody>
@@ -7704,6 +7722,122 @@
     <p:extLst>
       <p:ext uri="{BB962C8B-B14F-4D97-AF65-F5344CB8AC3E}">
         <p14:creationId xmlns:p14="http://schemas.microsoft.com/office/powerpoint/2010/main" val="42645003"/>
+      </p:ext>
+    </p:extLst>
+  </p:cSld>
+  <p:clrMapOvr>
+    <a:masterClrMapping/>
+  </p:clrMapOvr>
+</p:sld>
+</file>
+
+<file path=ppt/slides/slide6.xml><?xml version="1.0" encoding="utf-8"?>
+<p:sld xmlns:a="http://schemas.openxmlformats.org/drawingml/2006/main" xmlns:r="http://schemas.openxmlformats.org/officeDocument/2006/relationships" xmlns:p="http://schemas.openxmlformats.org/presentationml/2006/main">
+  <p:cSld>
+    <p:spTree>
+      <p:nvGrpSpPr>
+        <p:cNvPr id="1" name=""/>
+        <p:cNvGrpSpPr/>
+        <p:nvPr/>
+      </p:nvGrpSpPr>
+      <p:grpSpPr>
+        <a:xfrm>
+          <a:off x="0" y="0"/>
+          <a:ext cx="0" cy="0"/>
+          <a:chOff x="0" y="0"/>
+          <a:chExt cx="0" cy="0"/>
+        </a:xfrm>
+      </p:grpSpPr>
+      <p:sp>
+        <p:nvSpPr>
+          <p:cNvPr id="2" name="Titel 1">
+            <a:extLst>
+              <a:ext uri="{FF2B5EF4-FFF2-40B4-BE49-F238E27FC236}">
+                <a16:creationId xmlns:a16="http://schemas.microsoft.com/office/drawing/2014/main" id="{98726CC3-21AE-7554-50D6-DBAB2D19DB06}"/>
+              </a:ext>
+            </a:extLst>
+          </p:cNvPr>
+          <p:cNvSpPr>
+            <a:spLocks noGrp="1"/>
+          </p:cNvSpPr>
+          <p:nvPr>
+            <p:ph type="title"/>
+          </p:nvPr>
+        </p:nvSpPr>
+        <p:spPr/>
+        <p:txBody>
+          <a:bodyPr/>
+          <a:lstStyle/>
+          <a:p>
+            <a:r>
+              <a:rPr lang="de-DE" dirty="0"/>
+              <a:t>Programmarchitektur</a:t>
+            </a:r>
+          </a:p>
+        </p:txBody>
+      </p:sp>
+      <p:sp>
+        <p:nvSpPr>
+          <p:cNvPr id="3" name="Inhaltsplatzhalter 2">
+            <a:extLst>
+              <a:ext uri="{FF2B5EF4-FFF2-40B4-BE49-F238E27FC236}">
+                <a16:creationId xmlns:a16="http://schemas.microsoft.com/office/drawing/2014/main" id="{6D67A54D-791E-3141-E78D-D8BD4415C119}"/>
+              </a:ext>
+            </a:extLst>
+          </p:cNvPr>
+          <p:cNvSpPr>
+            <a:spLocks noGrp="1"/>
+          </p:cNvSpPr>
+          <p:nvPr>
+            <p:ph idx="1"/>
+          </p:nvPr>
+        </p:nvSpPr>
+        <p:spPr/>
+        <p:txBody>
+          <a:bodyPr/>
+          <a:lstStyle/>
+          <a:p>
+            <a:pPr marL="0" indent="0">
+              <a:buNone/>
+            </a:pPr>
+            <a:r>
+              <a:rPr lang="de-DE" dirty="0"/>
+              <a:t>Nachteile der MVC-Architektur:</a:t>
+            </a:r>
+          </a:p>
+          <a:p>
+            <a:endParaRPr lang="de-DE" dirty="0"/>
+          </a:p>
+          <a:p>
+            <a:r>
+              <a:rPr lang="de-DE" dirty="0"/>
+              <a:t>Komplexität bei kleinen Projekten</a:t>
+            </a:r>
+          </a:p>
+          <a:p>
+            <a:endParaRPr lang="de-DE" dirty="0"/>
+          </a:p>
+          <a:p>
+            <a:r>
+              <a:rPr lang="de-DE" dirty="0"/>
+              <a:t>Hoher Initialaufwand</a:t>
+            </a:r>
+          </a:p>
+          <a:p>
+            <a:endParaRPr lang="de-DE" dirty="0"/>
+          </a:p>
+          <a:p>
+            <a:r>
+              <a:rPr lang="de-DE" dirty="0"/>
+              <a:t>Erschwerte Kommunikation zwischen den Komponenten bei komplexen Programmen</a:t>
+            </a:r>
+          </a:p>
+        </p:txBody>
+      </p:sp>
+    </p:spTree>
+    <p:extLst>
+      <p:ext uri="{BB962C8B-B14F-4D97-AF65-F5344CB8AC3E}">
+        <p14:creationId xmlns:p14="http://schemas.microsoft.com/office/powerpoint/2010/main" val="266677829"/>
       </p:ext>
     </p:extLst>
   </p:cSld>

--- a/Dokumentation/Entwicklung eines Intelligentenempfehlungssystems.pptx
+++ b/Dokumentation/Entwicklung eines Intelligentenempfehlungssystems.pptx
@@ -6,15 +6,22 @@
     <p:sldMasterId id="2147483673" r:id="rId2"/>
   </p:sldMasterIdLst>
   <p:notesMasterIdLst>
-    <p:notesMasterId r:id="rId9"/>
+    <p:notesMasterId r:id="rId16"/>
   </p:notesMasterIdLst>
   <p:sldIdLst>
     <p:sldId id="257" r:id="rId3"/>
     <p:sldId id="259" r:id="rId4"/>
     <p:sldId id="262" r:id="rId5"/>
-    <p:sldId id="260" r:id="rId6"/>
-    <p:sldId id="261" r:id="rId7"/>
-    <p:sldId id="263" r:id="rId8"/>
+    <p:sldId id="267" r:id="rId6"/>
+    <p:sldId id="268" r:id="rId7"/>
+    <p:sldId id="269" r:id="rId8"/>
+    <p:sldId id="260" r:id="rId9"/>
+    <p:sldId id="261" r:id="rId10"/>
+    <p:sldId id="263" r:id="rId11"/>
+    <p:sldId id="270" r:id="rId12"/>
+    <p:sldId id="271" r:id="rId13"/>
+    <p:sldId id="265" r:id="rId14"/>
+    <p:sldId id="266" r:id="rId15"/>
   </p:sldIdLst>
   <p:sldSz cx="12192000" cy="6858000"/>
   <p:notesSz cx="6858000" cy="9144000"/>
@@ -1013,9 +1020,10 @@
           <a:lstStyle/>
           <a:p>
             <a:r>
-              <a:rPr lang="de-DE"/>
-              <a:t>Informatik II  Carina Halter, Laura Mirwald,  Semian Finné, Tristan Bihler</a:t>
-            </a:r>
+              <a:rPr lang="sv-SE"/>
+              <a:t>Carina Halter, Laura Mirwald, Tristan Bihler, Semian Finné</a:t>
+            </a:r>
+            <a:endParaRPr lang="de-DE"/>
           </a:p>
         </p:txBody>
       </p:sp>
@@ -1210,9 +1218,10 @@
           <a:lstStyle/>
           <a:p>
             <a:r>
-              <a:rPr lang="de-DE"/>
-              <a:t>Informatik II  Carina Halter, Laura Mirwald,  Semian Finné, Tristan Bihler</a:t>
-            </a:r>
+              <a:rPr lang="sv-SE"/>
+              <a:t>Carina Halter, Laura Mirwald, Tristan Bihler, Semian Finné</a:t>
+            </a:r>
+            <a:endParaRPr lang="de-DE"/>
           </a:p>
         </p:txBody>
       </p:sp>
@@ -1417,9 +1426,10 @@
           <a:lstStyle/>
           <a:p>
             <a:r>
-              <a:rPr lang="de-DE"/>
-              <a:t>Informatik II  Carina Halter, Laura Mirwald,  Semian Finné, Tristan Bihler</a:t>
-            </a:r>
+              <a:rPr lang="sv-SE"/>
+              <a:t>Carina Halter, Laura Mirwald, Tristan Bihler, Semian Finné</a:t>
+            </a:r>
+            <a:endParaRPr lang="de-DE"/>
           </a:p>
         </p:txBody>
       </p:sp>
@@ -1610,10 +1620,6 @@
           <a:bodyPr/>
           <a:lstStyle/>
           <a:p>
-            <a:fld id="{3965DFB0-D50B-4A28-BAB1-77E0CC558E34}" type="datetimeFigureOut">
-              <a:rPr lang="de-DE" smtClean="0"/>
-              <a:t>15.06.2025</a:t>
-            </a:fld>
             <a:endParaRPr lang="de-DE"/>
           </a:p>
         </p:txBody>
@@ -1639,6 +1645,10 @@
           <a:bodyPr/>
           <a:lstStyle/>
           <a:p>
+            <a:r>
+              <a:rPr lang="sv-SE"/>
+              <a:t>Carina Halter, Laura Mirwald, Tristan Bihler, Semian Finné</a:t>
+            </a:r>
             <a:endParaRPr lang="de-DE"/>
           </a:p>
         </p:txBody>
@@ -1818,6 +1828,10 @@
           <a:bodyPr/>
           <a:lstStyle/>
           <a:p>
+            <a:r>
+              <a:rPr lang="sv-SE"/>
+              <a:t>Carina Halter, Laura Mirwald, Tristan Bihler, Semian Finné</a:t>
+            </a:r>
             <a:endParaRPr lang="de-DE"/>
           </a:p>
         </p:txBody>
@@ -2114,10 +2128,6 @@
           <a:bodyPr/>
           <a:lstStyle/>
           <a:p>
-            <a:fld id="{3965DFB0-D50B-4A28-BAB1-77E0CC558E34}" type="datetimeFigureOut">
-              <a:rPr lang="de-DE" smtClean="0"/>
-              <a:t>15.06.2025</a:t>
-            </a:fld>
             <a:endParaRPr lang="de-DE"/>
           </a:p>
         </p:txBody>
@@ -2143,6 +2153,10 @@
           <a:bodyPr/>
           <a:lstStyle/>
           <a:p>
+            <a:r>
+              <a:rPr lang="sv-SE"/>
+              <a:t>Carina Halter, Laura Mirwald, Tristan Bihler, Semian Finné</a:t>
+            </a:r>
             <a:endParaRPr lang="de-DE"/>
           </a:p>
         </p:txBody>
@@ -2379,10 +2393,6 @@
           <a:bodyPr/>
           <a:lstStyle/>
           <a:p>
-            <a:fld id="{3965DFB0-D50B-4A28-BAB1-77E0CC558E34}" type="datetimeFigureOut">
-              <a:rPr lang="de-DE" smtClean="0"/>
-              <a:t>15.06.2025</a:t>
-            </a:fld>
             <a:endParaRPr lang="de-DE"/>
           </a:p>
         </p:txBody>
@@ -2408,6 +2418,10 @@
           <a:bodyPr/>
           <a:lstStyle/>
           <a:p>
+            <a:r>
+              <a:rPr lang="sv-SE"/>
+              <a:t>Carina Halter, Laura Mirwald, Tristan Bihler, Semian Finné</a:t>
+            </a:r>
             <a:endParaRPr lang="de-DE"/>
           </a:p>
         </p:txBody>
@@ -2791,10 +2805,6 @@
           <a:bodyPr/>
           <a:lstStyle/>
           <a:p>
-            <a:fld id="{3965DFB0-D50B-4A28-BAB1-77E0CC558E34}" type="datetimeFigureOut">
-              <a:rPr lang="de-DE" smtClean="0"/>
-              <a:t>15.06.2025</a:t>
-            </a:fld>
             <a:endParaRPr lang="de-DE"/>
           </a:p>
         </p:txBody>
@@ -2820,6 +2830,10 @@
           <a:bodyPr/>
           <a:lstStyle/>
           <a:p>
+            <a:r>
+              <a:rPr lang="sv-SE"/>
+              <a:t>Carina Halter, Laura Mirwald, Tristan Bihler, Semian Finné</a:t>
+            </a:r>
             <a:endParaRPr lang="de-DE"/>
           </a:p>
         </p:txBody>
@@ -2932,10 +2946,6 @@
           <a:bodyPr/>
           <a:lstStyle/>
           <a:p>
-            <a:fld id="{3965DFB0-D50B-4A28-BAB1-77E0CC558E34}" type="datetimeFigureOut">
-              <a:rPr lang="de-DE" smtClean="0"/>
-              <a:t>15.06.2025</a:t>
-            </a:fld>
             <a:endParaRPr lang="de-DE"/>
           </a:p>
         </p:txBody>
@@ -2961,6 +2971,10 @@
           <a:bodyPr/>
           <a:lstStyle/>
           <a:p>
+            <a:r>
+              <a:rPr lang="sv-SE"/>
+              <a:t>Carina Halter, Laura Mirwald, Tristan Bihler, Semian Finné</a:t>
+            </a:r>
             <a:endParaRPr lang="de-DE"/>
           </a:p>
         </p:txBody>
@@ -3045,10 +3059,6 @@
           <a:bodyPr/>
           <a:lstStyle/>
           <a:p>
-            <a:fld id="{3965DFB0-D50B-4A28-BAB1-77E0CC558E34}" type="datetimeFigureOut">
-              <a:rPr lang="de-DE" smtClean="0"/>
-              <a:t>15.06.2025</a:t>
-            </a:fld>
             <a:endParaRPr lang="de-DE"/>
           </a:p>
         </p:txBody>
@@ -3074,6 +3084,10 @@
           <a:bodyPr/>
           <a:lstStyle/>
           <a:p>
+            <a:r>
+              <a:rPr lang="sv-SE"/>
+              <a:t>Carina Halter, Laura Mirwald, Tristan Bihler, Semian Finné</a:t>
+            </a:r>
             <a:endParaRPr lang="de-DE"/>
           </a:p>
         </p:txBody>
@@ -3291,9 +3305,10 @@
           <a:lstStyle/>
           <a:p>
             <a:r>
-              <a:rPr lang="de-DE"/>
-              <a:t>Informatik II  Carina Halter, Laura Mirwald,  Semian Finné, Tristan Bihler</a:t>
-            </a:r>
+              <a:rPr lang="sv-SE"/>
+              <a:t>Carina Halter, Laura Mirwald, Tristan Bihler, Semian Finné</a:t>
+            </a:r>
+            <a:endParaRPr lang="de-DE"/>
           </a:p>
         </p:txBody>
       </p:sp>
@@ -3575,10 +3590,6 @@
           <a:bodyPr/>
           <a:lstStyle/>
           <a:p>
-            <a:fld id="{3965DFB0-D50B-4A28-BAB1-77E0CC558E34}" type="datetimeFigureOut">
-              <a:rPr lang="de-DE" smtClean="0"/>
-              <a:t>15.06.2025</a:t>
-            </a:fld>
             <a:endParaRPr lang="de-DE"/>
           </a:p>
         </p:txBody>
@@ -3604,6 +3615,10 @@
           <a:bodyPr/>
           <a:lstStyle/>
           <a:p>
+            <a:r>
+              <a:rPr lang="sv-SE"/>
+              <a:t>Carina Halter, Laura Mirwald, Tristan Bihler, Semian Finné</a:t>
+            </a:r>
             <a:endParaRPr lang="de-DE"/>
           </a:p>
         </p:txBody>
@@ -3863,10 +3878,6 @@
           <a:bodyPr/>
           <a:lstStyle/>
           <a:p>
-            <a:fld id="{3965DFB0-D50B-4A28-BAB1-77E0CC558E34}" type="datetimeFigureOut">
-              <a:rPr lang="de-DE" smtClean="0"/>
-              <a:t>15.06.2025</a:t>
-            </a:fld>
             <a:endParaRPr lang="de-DE"/>
           </a:p>
         </p:txBody>
@@ -3892,6 +3903,10 @@
           <a:bodyPr/>
           <a:lstStyle/>
           <a:p>
+            <a:r>
+              <a:rPr lang="sv-SE"/>
+              <a:t>Carina Halter, Laura Mirwald, Tristan Bihler, Semian Finné</a:t>
+            </a:r>
             <a:endParaRPr lang="de-DE"/>
           </a:p>
         </p:txBody>
@@ -4061,10 +4076,6 @@
           <a:bodyPr/>
           <a:lstStyle/>
           <a:p>
-            <a:fld id="{3965DFB0-D50B-4A28-BAB1-77E0CC558E34}" type="datetimeFigureOut">
-              <a:rPr lang="de-DE" smtClean="0"/>
-              <a:t>15.06.2025</a:t>
-            </a:fld>
             <a:endParaRPr lang="de-DE"/>
           </a:p>
         </p:txBody>
@@ -4090,6 +4101,10 @@
           <a:bodyPr/>
           <a:lstStyle/>
           <a:p>
+            <a:r>
+              <a:rPr lang="sv-SE"/>
+              <a:t>Carina Halter, Laura Mirwald, Tristan Bihler, Semian Finné</a:t>
+            </a:r>
             <a:endParaRPr lang="de-DE"/>
           </a:p>
         </p:txBody>
@@ -4269,10 +4284,6 @@
           <a:bodyPr/>
           <a:lstStyle/>
           <a:p>
-            <a:fld id="{3965DFB0-D50B-4A28-BAB1-77E0CC558E34}" type="datetimeFigureOut">
-              <a:rPr lang="de-DE" smtClean="0"/>
-              <a:t>15.06.2025</a:t>
-            </a:fld>
             <a:endParaRPr lang="de-DE"/>
           </a:p>
         </p:txBody>
@@ -4298,6 +4309,10 @@
           <a:bodyPr/>
           <a:lstStyle/>
           <a:p>
+            <a:r>
+              <a:rPr lang="sv-SE"/>
+              <a:t>Carina Halter, Laura Mirwald, Tristan Bihler, Semian Finné</a:t>
+            </a:r>
             <a:endParaRPr lang="de-DE"/>
           </a:p>
         </p:txBody>
@@ -4493,9 +4508,10 @@
           <a:lstStyle/>
           <a:p>
             <a:r>
-              <a:rPr lang="de-DE"/>
-              <a:t>Informatik II  Carina Halter, Laura Mirwald,  Semian Finné, Tristan Bihler</a:t>
-            </a:r>
+              <a:rPr lang="sv-SE"/>
+              <a:t>Carina Halter, Laura Mirwald, Tristan Bihler, Semian Finné</a:t>
+            </a:r>
+            <a:endParaRPr lang="de-DE"/>
           </a:p>
         </p:txBody>
       </p:sp>
@@ -4767,9 +4783,10 @@
           <a:lstStyle/>
           <a:p>
             <a:r>
-              <a:rPr lang="de-DE"/>
-              <a:t>Informatik II  Carina Halter, Laura Mirwald,  Semian Finné, Tristan Bihler</a:t>
-            </a:r>
+              <a:rPr lang="sv-SE"/>
+              <a:t>Carina Halter, Laura Mirwald, Tristan Bihler, Semian Finné</a:t>
+            </a:r>
+            <a:endParaRPr lang="de-DE"/>
           </a:p>
         </p:txBody>
       </p:sp>
@@ -5031,9 +5048,10 @@
           <a:lstStyle/>
           <a:p>
             <a:r>
-              <a:rPr lang="de-DE"/>
-              <a:t>Informatik II  Carina Halter, Laura Mirwald,  Semian Finné, Tristan Bihler</a:t>
-            </a:r>
+              <a:rPr lang="sv-SE"/>
+              <a:t>Carina Halter, Laura Mirwald, Tristan Bihler, Semian Finné</a:t>
+            </a:r>
+            <a:endParaRPr lang="de-DE"/>
           </a:p>
         </p:txBody>
       </p:sp>
@@ -5442,9 +5460,10 @@
           <a:lstStyle/>
           <a:p>
             <a:r>
-              <a:rPr lang="de-DE"/>
-              <a:t>Informatik II  Carina Halter, Laura Mirwald,  Semian Finné, Tristan Bihler</a:t>
-            </a:r>
+              <a:rPr lang="sv-SE"/>
+              <a:t>Carina Halter, Laura Mirwald, Tristan Bihler, Semian Finné</a:t>
+            </a:r>
+            <a:endParaRPr lang="de-DE"/>
           </a:p>
         </p:txBody>
       </p:sp>
@@ -5582,9 +5601,10 @@
           <a:lstStyle/>
           <a:p>
             <a:r>
-              <a:rPr lang="de-DE"/>
-              <a:t>Informatik II  Carina Halter, Laura Mirwald,  Semian Finné, Tristan Bihler</a:t>
-            </a:r>
+              <a:rPr lang="sv-SE"/>
+              <a:t>Carina Halter, Laura Mirwald, Tristan Bihler, Semian Finné</a:t>
+            </a:r>
+            <a:endParaRPr lang="de-DE"/>
           </a:p>
         </p:txBody>
       </p:sp>
@@ -5694,9 +5714,10 @@
           <a:lstStyle/>
           <a:p>
             <a:r>
-              <a:rPr lang="de-DE"/>
-              <a:t>Informatik II  Carina Halter, Laura Mirwald,  Semian Finné, Tristan Bihler</a:t>
-            </a:r>
+              <a:rPr lang="sv-SE"/>
+              <a:t>Carina Halter, Laura Mirwald, Tristan Bihler, Semian Finné</a:t>
+            </a:r>
+            <a:endParaRPr lang="de-DE"/>
           </a:p>
         </p:txBody>
       </p:sp>
@@ -6004,9 +6025,10 @@
           <a:lstStyle/>
           <a:p>
             <a:r>
-              <a:rPr lang="de-DE"/>
-              <a:t>Informatik II  Carina Halter, Laura Mirwald,  Semian Finné, Tristan Bihler</a:t>
-            </a:r>
+              <a:rPr lang="sv-SE"/>
+              <a:t>Carina Halter, Laura Mirwald, Tristan Bihler, Semian Finné</a:t>
+            </a:r>
+            <a:endParaRPr lang="de-DE"/>
           </a:p>
         </p:txBody>
       </p:sp>
@@ -6262,9 +6284,10 @@
           </a:lstStyle>
           <a:p>
             <a:r>
-              <a:rPr lang="de-DE"/>
-              <a:t>Informatik II  Carina Halter, Laura Mirwald,  Semian Finné, Tristan Bihler</a:t>
-            </a:r>
+              <a:rPr lang="sv-SE"/>
+              <a:t>Carina Halter, Laura Mirwald, Tristan Bihler, Semian Finné</a:t>
+            </a:r>
+            <a:endParaRPr lang="de-DE"/>
           </a:p>
         </p:txBody>
       </p:sp>
@@ -6787,10 +6810,6 @@
             </a:lvl1pPr>
           </a:lstStyle>
           <a:p>
-            <a:fld id="{3965DFB0-D50B-4A28-BAB1-77E0CC558E34}" type="datetimeFigureOut">
-              <a:rPr lang="de-DE" smtClean="0"/>
-              <a:t>15.06.2025</a:t>
-            </a:fld>
             <a:endParaRPr lang="de-DE"/>
           </a:p>
         </p:txBody>
@@ -6834,6 +6853,10 @@
             </a:lvl1pPr>
           </a:lstStyle>
           <a:p>
+            <a:r>
+              <a:rPr lang="sv-SE"/>
+              <a:t>Carina Halter, Laura Mirwald, Tristan Bihler, Semian Finné</a:t>
+            </a:r>
             <a:endParaRPr lang="de-DE"/>
           </a:p>
         </p:txBody>
@@ -6906,6 +6929,7 @@
     <p:sldLayoutId id="2147483683" r:id="rId10"/>
     <p:sldLayoutId id="2147483684" r:id="rId11"/>
   </p:sldLayoutIdLst>
+  <p:hf sldNum="0" hdr="0" dt="0"/>
   <p:txStyles>
     <p:titleStyle>
       <a:lvl1pPr algn="l" defTabSz="914400" rtl="0" eaLnBrk="1" latinLnBrk="0" hangingPunct="1">
@@ -7301,6 +7325,945 @@
 </p:sld>
 </file>
 
+<file path=ppt/slides/slide10.xml><?xml version="1.0" encoding="utf-8"?>
+<p:sld xmlns:a="http://schemas.openxmlformats.org/drawingml/2006/main" xmlns:r="http://schemas.openxmlformats.org/officeDocument/2006/relationships" xmlns:p="http://schemas.openxmlformats.org/presentationml/2006/main">
+  <p:cSld>
+    <p:spTree>
+      <p:nvGrpSpPr>
+        <p:cNvPr id="1" name="">
+          <a:extLst>
+            <a:ext uri="{FF2B5EF4-FFF2-40B4-BE49-F238E27FC236}">
+              <a16:creationId xmlns:a16="http://schemas.microsoft.com/office/drawing/2014/main" id="{BA4E793F-4718-D486-BECF-BEB2B70B3C89}"/>
+            </a:ext>
+          </a:extLst>
+        </p:cNvPr>
+        <p:cNvGrpSpPr/>
+        <p:nvPr/>
+      </p:nvGrpSpPr>
+      <p:grpSpPr>
+        <a:xfrm>
+          <a:off x="0" y="0"/>
+          <a:ext cx="0" cy="0"/>
+          <a:chOff x="0" y="0"/>
+          <a:chExt cx="0" cy="0"/>
+        </a:xfrm>
+      </p:grpSpPr>
+      <p:sp>
+        <p:nvSpPr>
+          <p:cNvPr id="2" name="Titel 1">
+            <a:extLst>
+              <a:ext uri="{FF2B5EF4-FFF2-40B4-BE49-F238E27FC236}">
+                <a16:creationId xmlns:a16="http://schemas.microsoft.com/office/drawing/2014/main" id="{1B0B41D4-BE7B-3970-0291-C9D63BD730C5}"/>
+              </a:ext>
+            </a:extLst>
+          </p:cNvPr>
+          <p:cNvSpPr>
+            <a:spLocks noGrp="1"/>
+          </p:cNvSpPr>
+          <p:nvPr>
+            <p:ph type="title"/>
+          </p:nvPr>
+        </p:nvSpPr>
+        <p:spPr/>
+        <p:txBody>
+          <a:bodyPr/>
+          <a:lstStyle/>
+          <a:p>
+            <a:r>
+              <a:rPr lang="de-DE" dirty="0"/>
+              <a:t>Jetziges PAP(Projekt Ablauf </a:t>
+            </a:r>
+            <a:r>
+              <a:rPr lang="de-DE" dirty="0" err="1"/>
+              <a:t>PLan</a:t>
+            </a:r>
+            <a:r>
+              <a:rPr lang="de-DE" dirty="0"/>
+              <a:t>)</a:t>
+            </a:r>
+          </a:p>
+        </p:txBody>
+      </p:sp>
+      <p:sp>
+        <p:nvSpPr>
+          <p:cNvPr id="3" name="Fußzeilenplatzhalter 2">
+            <a:extLst>
+              <a:ext uri="{FF2B5EF4-FFF2-40B4-BE49-F238E27FC236}">
+                <a16:creationId xmlns:a16="http://schemas.microsoft.com/office/drawing/2014/main" id="{E35A27AF-106D-5161-E507-18F1C9FAC27E}"/>
+              </a:ext>
+            </a:extLst>
+          </p:cNvPr>
+          <p:cNvSpPr>
+            <a:spLocks noGrp="1"/>
+          </p:cNvSpPr>
+          <p:nvPr>
+            <p:ph type="ftr" sz="quarter" idx="11"/>
+          </p:nvPr>
+        </p:nvSpPr>
+        <p:spPr/>
+        <p:txBody>
+          <a:bodyPr/>
+          <a:lstStyle/>
+          <a:p>
+            <a:r>
+              <a:rPr lang="sv-SE"/>
+              <a:t>Carina Halter, Laura Mirwald, Tristan Bihler, Semian Finné</a:t>
+            </a:r>
+            <a:endParaRPr lang="de-DE"/>
+          </a:p>
+        </p:txBody>
+      </p:sp>
+    </p:spTree>
+    <p:extLst>
+      <p:ext uri="{BB962C8B-B14F-4D97-AF65-F5344CB8AC3E}">
+        <p14:creationId xmlns:p14="http://schemas.microsoft.com/office/powerpoint/2010/main" val="1819079153"/>
+      </p:ext>
+    </p:extLst>
+  </p:cSld>
+  <p:clrMapOvr>
+    <a:masterClrMapping/>
+  </p:clrMapOvr>
+</p:sld>
+</file>
+
+<file path=ppt/slides/slide11.xml><?xml version="1.0" encoding="utf-8"?>
+<p:sld xmlns:a="http://schemas.openxmlformats.org/drawingml/2006/main" xmlns:r="http://schemas.openxmlformats.org/officeDocument/2006/relationships" xmlns:p="http://schemas.openxmlformats.org/presentationml/2006/main">
+  <p:cSld>
+    <p:spTree>
+      <p:nvGrpSpPr>
+        <p:cNvPr id="1" name="">
+          <a:extLst>
+            <a:ext uri="{FF2B5EF4-FFF2-40B4-BE49-F238E27FC236}">
+              <a16:creationId xmlns:a16="http://schemas.microsoft.com/office/drawing/2014/main" id="{9A179F6D-7E36-30F8-DDB2-5F76C6A44473}"/>
+            </a:ext>
+          </a:extLst>
+        </p:cNvPr>
+        <p:cNvGrpSpPr/>
+        <p:nvPr/>
+      </p:nvGrpSpPr>
+      <p:grpSpPr>
+        <a:xfrm>
+          <a:off x="0" y="0"/>
+          <a:ext cx="0" cy="0"/>
+          <a:chOff x="0" y="0"/>
+          <a:chExt cx="0" cy="0"/>
+        </a:xfrm>
+      </p:grpSpPr>
+      <p:sp>
+        <p:nvSpPr>
+          <p:cNvPr id="2" name="Titel 1">
+            <a:extLst>
+              <a:ext uri="{FF2B5EF4-FFF2-40B4-BE49-F238E27FC236}">
+                <a16:creationId xmlns:a16="http://schemas.microsoft.com/office/drawing/2014/main" id="{171B2310-BFAD-F6B6-89F9-64FAC671004D}"/>
+              </a:ext>
+            </a:extLst>
+          </p:cNvPr>
+          <p:cNvSpPr>
+            <a:spLocks noGrp="1"/>
+          </p:cNvSpPr>
+          <p:nvPr>
+            <p:ph type="title"/>
+          </p:nvPr>
+        </p:nvSpPr>
+        <p:spPr/>
+        <p:txBody>
+          <a:bodyPr/>
+          <a:lstStyle/>
+          <a:p>
+            <a:r>
+              <a:rPr lang="de-DE" dirty="0"/>
+              <a:t>Debugging</a:t>
+            </a:r>
+          </a:p>
+        </p:txBody>
+      </p:sp>
+      <p:pic>
+        <p:nvPicPr>
+          <p:cNvPr id="4" name="Grafik 3">
+            <a:extLst>
+              <a:ext uri="{FF2B5EF4-FFF2-40B4-BE49-F238E27FC236}">
+                <a16:creationId xmlns:a16="http://schemas.microsoft.com/office/drawing/2014/main" id="{0FCDE520-8950-348F-03B7-93987EE2EFC5}"/>
+              </a:ext>
+            </a:extLst>
+          </p:cNvPr>
+          <p:cNvPicPr>
+            <a:picLocks noChangeAspect="1"/>
+          </p:cNvPicPr>
+          <p:nvPr/>
+        </p:nvPicPr>
+        <p:blipFill>
+          <a:blip r:embed="rId2"/>
+          <a:stretch>
+            <a:fillRect/>
+          </a:stretch>
+        </p:blipFill>
+        <p:spPr>
+          <a:xfrm>
+            <a:off x="838200" y="1690688"/>
+            <a:ext cx="8534401" cy="2699328"/>
+          </a:xfrm>
+          <a:prstGeom prst="rect">
+            <a:avLst/>
+          </a:prstGeom>
+        </p:spPr>
+      </p:pic>
+      <p:sp>
+        <p:nvSpPr>
+          <p:cNvPr id="3" name="Fußzeilenplatzhalter 2">
+            <a:extLst>
+              <a:ext uri="{FF2B5EF4-FFF2-40B4-BE49-F238E27FC236}">
+                <a16:creationId xmlns:a16="http://schemas.microsoft.com/office/drawing/2014/main" id="{058722A3-F10D-7E61-B4CA-4BC6F454A304}"/>
+              </a:ext>
+            </a:extLst>
+          </p:cNvPr>
+          <p:cNvSpPr>
+            <a:spLocks noGrp="1"/>
+          </p:cNvSpPr>
+          <p:nvPr>
+            <p:ph type="ftr" sz="quarter" idx="11"/>
+          </p:nvPr>
+        </p:nvSpPr>
+        <p:spPr/>
+        <p:txBody>
+          <a:bodyPr/>
+          <a:lstStyle/>
+          <a:p>
+            <a:r>
+              <a:rPr lang="sv-SE" dirty="0"/>
+              <a:t>Carina Halter, Laura Mirwald, Tristan Bihler, Semian Finné</a:t>
+            </a:r>
+            <a:endParaRPr lang="de-DE" dirty="0"/>
+          </a:p>
+        </p:txBody>
+      </p:sp>
+    </p:spTree>
+    <p:extLst>
+      <p:ext uri="{BB962C8B-B14F-4D97-AF65-F5344CB8AC3E}">
+        <p14:creationId xmlns:p14="http://schemas.microsoft.com/office/powerpoint/2010/main" val="3873202519"/>
+      </p:ext>
+    </p:extLst>
+  </p:cSld>
+  <p:clrMapOvr>
+    <a:masterClrMapping/>
+  </p:clrMapOvr>
+</p:sld>
+</file>
+
+<file path=ppt/slides/slide12.xml><?xml version="1.0" encoding="utf-8"?>
+<p:sld xmlns:a="http://schemas.openxmlformats.org/drawingml/2006/main" xmlns:r="http://schemas.openxmlformats.org/officeDocument/2006/relationships" xmlns:p="http://schemas.openxmlformats.org/presentationml/2006/main">
+  <p:cSld>
+    <p:spTree>
+      <p:nvGrpSpPr>
+        <p:cNvPr id="1" name="">
+          <a:extLst>
+            <a:ext uri="{FF2B5EF4-FFF2-40B4-BE49-F238E27FC236}">
+              <a16:creationId xmlns:a16="http://schemas.microsoft.com/office/drawing/2014/main" id="{6097EA28-82BF-4183-255A-249E57230DD8}"/>
+            </a:ext>
+          </a:extLst>
+        </p:cNvPr>
+        <p:cNvGrpSpPr/>
+        <p:nvPr/>
+      </p:nvGrpSpPr>
+      <p:grpSpPr>
+        <a:xfrm>
+          <a:off x="0" y="0"/>
+          <a:ext cx="0" cy="0"/>
+          <a:chOff x="0" y="0"/>
+          <a:chExt cx="0" cy="0"/>
+        </a:xfrm>
+      </p:grpSpPr>
+      <p:sp>
+        <p:nvSpPr>
+          <p:cNvPr id="2" name="Titel 1">
+            <a:extLst>
+              <a:ext uri="{FF2B5EF4-FFF2-40B4-BE49-F238E27FC236}">
+                <a16:creationId xmlns:a16="http://schemas.microsoft.com/office/drawing/2014/main" id="{8D5919CE-1FE2-A592-2453-7F08187CCEB9}"/>
+              </a:ext>
+            </a:extLst>
+          </p:cNvPr>
+          <p:cNvSpPr>
+            <a:spLocks noGrp="1"/>
+          </p:cNvSpPr>
+          <p:nvPr>
+            <p:ph type="title"/>
+          </p:nvPr>
+        </p:nvSpPr>
+        <p:spPr/>
+        <p:txBody>
+          <a:bodyPr/>
+          <a:lstStyle/>
+          <a:p>
+            <a:r>
+              <a:rPr lang="de-DE" dirty="0"/>
+              <a:t>Bugs</a:t>
+            </a:r>
+          </a:p>
+        </p:txBody>
+      </p:sp>
+      <p:sp>
+        <p:nvSpPr>
+          <p:cNvPr id="3" name="Inhaltsplatzhalter 2">
+            <a:extLst>
+              <a:ext uri="{FF2B5EF4-FFF2-40B4-BE49-F238E27FC236}">
+                <a16:creationId xmlns:a16="http://schemas.microsoft.com/office/drawing/2014/main" id="{FE2E902F-37DB-7C57-267E-A275DF40085A}"/>
+              </a:ext>
+            </a:extLst>
+          </p:cNvPr>
+          <p:cNvSpPr>
+            <a:spLocks noGrp="1"/>
+          </p:cNvSpPr>
+          <p:nvPr>
+            <p:ph idx="1"/>
+          </p:nvPr>
+        </p:nvSpPr>
+        <p:spPr/>
+        <p:txBody>
+          <a:bodyPr>
+            <a:normAutofit/>
+          </a:bodyPr>
+          <a:lstStyle/>
+          <a:p>
+            <a:pPr marL="0" indent="0">
+              <a:buNone/>
+            </a:pPr>
+            <a:r>
+              <a:rPr lang="de-DE" dirty="0"/>
+              <a:t>Behobene Bugs</a:t>
+            </a:r>
+          </a:p>
+          <a:p>
+            <a:pPr marL="0" indent="0">
+              <a:buNone/>
+            </a:pPr>
+            <a:endParaRPr lang="de-DE" dirty="0"/>
+          </a:p>
+          <a:p>
+            <a:r>
+              <a:rPr lang="de-DE" dirty="0"/>
+              <a:t>Doppelte Filme in der Datenbank</a:t>
+            </a:r>
+          </a:p>
+          <a:p>
+            <a:r>
+              <a:rPr lang="de-DE" dirty="0"/>
+              <a:t>Registrierung funktioniert nicht</a:t>
+            </a:r>
+          </a:p>
+          <a:p>
+            <a:r>
+              <a:rPr lang="de-DE" dirty="0"/>
+              <a:t>Erst gewählte Film in Empfehlungen besitzt keine Beschreibung</a:t>
+            </a:r>
+          </a:p>
+          <a:p>
+            <a:r>
+              <a:rPr lang="de-DE" dirty="0"/>
+              <a:t>Button überlappend mit Überschrift</a:t>
+            </a:r>
+          </a:p>
+          <a:p>
+            <a:r>
+              <a:rPr lang="de-DE" dirty="0"/>
+              <a:t>Doppelte Registrierungen &amp;  Favoritenmarkierung möglich</a:t>
+            </a:r>
+          </a:p>
+          <a:p>
+            <a:r>
+              <a:rPr lang="de-DE" dirty="0"/>
+              <a:t>Filme aus Favoriten auch in Empfehlungen</a:t>
+            </a:r>
+          </a:p>
+          <a:p>
+            <a:endParaRPr lang="de-DE" dirty="0"/>
+          </a:p>
+          <a:p>
+            <a:endParaRPr lang="de-DE" dirty="0"/>
+          </a:p>
+          <a:p>
+            <a:endParaRPr lang="de-DE" dirty="0"/>
+          </a:p>
+        </p:txBody>
+      </p:sp>
+      <p:sp>
+        <p:nvSpPr>
+          <p:cNvPr id="4" name="Fußzeilenplatzhalter 3">
+            <a:extLst>
+              <a:ext uri="{FF2B5EF4-FFF2-40B4-BE49-F238E27FC236}">
+                <a16:creationId xmlns:a16="http://schemas.microsoft.com/office/drawing/2014/main" id="{24A530C8-6A73-DEB6-90F8-4137D46CAFD1}"/>
+              </a:ext>
+            </a:extLst>
+          </p:cNvPr>
+          <p:cNvSpPr>
+            <a:spLocks noGrp="1"/>
+          </p:cNvSpPr>
+          <p:nvPr>
+            <p:ph type="ftr" sz="quarter" idx="11"/>
+          </p:nvPr>
+        </p:nvSpPr>
+        <p:spPr/>
+        <p:txBody>
+          <a:bodyPr/>
+          <a:lstStyle/>
+          <a:p>
+            <a:r>
+              <a:rPr lang="sv-SE"/>
+              <a:t>Carina Halter, Laura Mirwald, Tristan Bihler, Semian Finné</a:t>
+            </a:r>
+            <a:endParaRPr lang="de-DE"/>
+          </a:p>
+        </p:txBody>
+      </p:sp>
+    </p:spTree>
+    <p:extLst>
+      <p:ext uri="{BB962C8B-B14F-4D97-AF65-F5344CB8AC3E}">
+        <p14:creationId xmlns:p14="http://schemas.microsoft.com/office/powerpoint/2010/main" val="1760062752"/>
+      </p:ext>
+    </p:extLst>
+  </p:cSld>
+  <p:clrMapOvr>
+    <a:masterClrMapping/>
+  </p:clrMapOvr>
+</p:sld>
+</file>
+
+<file path=ppt/slides/slide13.xml><?xml version="1.0" encoding="utf-8"?>
+<p:sld xmlns:a="http://schemas.openxmlformats.org/drawingml/2006/main" xmlns:r="http://schemas.openxmlformats.org/officeDocument/2006/relationships" xmlns:p="http://schemas.openxmlformats.org/presentationml/2006/main">
+  <p:cSld>
+    <p:spTree>
+      <p:nvGrpSpPr>
+        <p:cNvPr id="1" name="">
+          <a:extLst>
+            <a:ext uri="{FF2B5EF4-FFF2-40B4-BE49-F238E27FC236}">
+              <a16:creationId xmlns:a16="http://schemas.microsoft.com/office/drawing/2014/main" id="{3DF4858E-F70E-2D37-1C16-71385BB58085}"/>
+            </a:ext>
+          </a:extLst>
+        </p:cNvPr>
+        <p:cNvGrpSpPr/>
+        <p:nvPr/>
+      </p:nvGrpSpPr>
+      <p:grpSpPr>
+        <a:xfrm>
+          <a:off x="0" y="0"/>
+          <a:ext cx="0" cy="0"/>
+          <a:chOff x="0" y="0"/>
+          <a:chExt cx="0" cy="0"/>
+        </a:xfrm>
+      </p:grpSpPr>
+      <p:sp>
+        <p:nvSpPr>
+          <p:cNvPr id="2" name="Titel 1">
+            <a:extLst>
+              <a:ext uri="{FF2B5EF4-FFF2-40B4-BE49-F238E27FC236}">
+                <a16:creationId xmlns:a16="http://schemas.microsoft.com/office/drawing/2014/main" id="{1F1CDCC8-00AD-ACE8-C7DD-5D12562A2CCB}"/>
+              </a:ext>
+            </a:extLst>
+          </p:cNvPr>
+          <p:cNvSpPr>
+            <a:spLocks noGrp="1"/>
+          </p:cNvSpPr>
+          <p:nvPr>
+            <p:ph type="title"/>
+          </p:nvPr>
+        </p:nvSpPr>
+        <p:spPr/>
+        <p:txBody>
+          <a:bodyPr/>
+          <a:lstStyle/>
+          <a:p>
+            <a:r>
+              <a:rPr lang="de-DE" dirty="0"/>
+              <a:t>Bugs</a:t>
+            </a:r>
+          </a:p>
+        </p:txBody>
+      </p:sp>
+      <p:sp>
+        <p:nvSpPr>
+          <p:cNvPr id="3" name="Inhaltsplatzhalter 2">
+            <a:extLst>
+              <a:ext uri="{FF2B5EF4-FFF2-40B4-BE49-F238E27FC236}">
+                <a16:creationId xmlns:a16="http://schemas.microsoft.com/office/drawing/2014/main" id="{96A963BB-FB9A-49BF-B92C-AE4DD95379C0}"/>
+              </a:ext>
+            </a:extLst>
+          </p:cNvPr>
+          <p:cNvSpPr>
+            <a:spLocks noGrp="1"/>
+          </p:cNvSpPr>
+          <p:nvPr>
+            <p:ph idx="1"/>
+          </p:nvPr>
+        </p:nvSpPr>
+        <p:spPr>
+          <a:xfrm>
+            <a:off x="838200" y="1825625"/>
+            <a:ext cx="4294517" cy="4351336"/>
+          </a:xfrm>
+        </p:spPr>
+        <p:txBody>
+          <a:bodyPr>
+            <a:normAutofit/>
+          </a:bodyPr>
+          <a:lstStyle/>
+          <a:p>
+            <a:pPr marL="0" indent="0">
+              <a:buNone/>
+            </a:pPr>
+            <a:endParaRPr lang="de-DE" dirty="0"/>
+          </a:p>
+          <a:p>
+            <a:pPr marL="0" indent="0">
+              <a:buNone/>
+            </a:pPr>
+            <a:endParaRPr lang="de-DE" dirty="0"/>
+          </a:p>
+          <a:p>
+            <a:pPr marL="0" indent="0">
+              <a:buNone/>
+            </a:pPr>
+            <a:r>
+              <a:rPr lang="de-DE" dirty="0"/>
+              <a:t>Offene Bugs</a:t>
+            </a:r>
+          </a:p>
+          <a:p>
+            <a:pPr marL="0" indent="0">
+              <a:buNone/>
+            </a:pPr>
+            <a:endParaRPr lang="de-DE" dirty="0"/>
+          </a:p>
+          <a:p>
+            <a:r>
+              <a:rPr lang="de-DE" dirty="0"/>
+              <a:t>Beschreibungsfeld variiert seine Größe</a:t>
+            </a:r>
+          </a:p>
+          <a:p>
+            <a:r>
+              <a:rPr lang="de-DE" dirty="0"/>
+              <a:t>Wenige Filmbeschreibungen fehlen </a:t>
+            </a:r>
+          </a:p>
+          <a:p>
+            <a:pPr marL="0" indent="0">
+              <a:buNone/>
+            </a:pPr>
+            <a:endParaRPr lang="de-DE" dirty="0"/>
+          </a:p>
+          <a:p>
+            <a:endParaRPr lang="de-DE" dirty="0"/>
+          </a:p>
+          <a:p>
+            <a:endParaRPr lang="de-DE" dirty="0"/>
+          </a:p>
+        </p:txBody>
+      </p:sp>
+      <p:grpSp>
+        <p:nvGrpSpPr>
+          <p:cNvPr id="4" name="Gruppieren 3">
+            <a:extLst>
+              <a:ext uri="{FF2B5EF4-FFF2-40B4-BE49-F238E27FC236}">
+                <a16:creationId xmlns:a16="http://schemas.microsoft.com/office/drawing/2014/main" id="{64724BF8-BB95-82CD-9875-80EB681389AE}"/>
+              </a:ext>
+            </a:extLst>
+          </p:cNvPr>
+          <p:cNvGrpSpPr/>
+          <p:nvPr/>
+        </p:nvGrpSpPr>
+        <p:grpSpPr>
+          <a:xfrm>
+            <a:off x="3901392" y="462359"/>
+            <a:ext cx="4852083" cy="2866075"/>
+            <a:chOff x="0" y="189208"/>
+            <a:chExt cx="5667424" cy="3499923"/>
+          </a:xfrm>
+        </p:grpSpPr>
+        <p:pic>
+          <p:nvPicPr>
+            <p:cNvPr id="5" name="Grafik 4">
+              <a:extLst>
+                <a:ext uri="{FF2B5EF4-FFF2-40B4-BE49-F238E27FC236}">
+                  <a16:creationId xmlns:a16="http://schemas.microsoft.com/office/drawing/2014/main" id="{F2D57F01-C013-F4EF-2083-3B9C5343D23B}"/>
+                </a:ext>
+              </a:extLst>
+            </p:cNvPr>
+            <p:cNvPicPr>
+              <a:picLocks noChangeAspect="1"/>
+            </p:cNvPicPr>
+            <p:nvPr/>
+          </p:nvPicPr>
+          <p:blipFill rotWithShape="1">
+            <a:blip r:embed="rId2">
+              <a:extLst>
+                <a:ext uri="{28A0092B-C50C-407E-A947-70E740481C1C}">
+                  <a14:useLocalDpi xmlns:a14="http://schemas.microsoft.com/office/drawing/2010/main" val="0"/>
+                </a:ext>
+              </a:extLst>
+            </a:blip>
+            <a:srcRect l="730" t="664" r="1290" b="21539"/>
+            <a:stretch>
+              <a:fillRect/>
+            </a:stretch>
+          </p:blipFill>
+          <p:spPr bwMode="auto">
+            <a:xfrm>
+              <a:off x="0" y="189208"/>
+              <a:ext cx="5353830" cy="3499923"/>
+            </a:xfrm>
+            <a:prstGeom prst="rect">
+              <a:avLst/>
+            </a:prstGeom>
+            <a:ln>
+              <a:solidFill>
+                <a:schemeClr val="tx1"/>
+              </a:solidFill>
+            </a:ln>
+            <a:extLst>
+              <a:ext uri="{53640926-AAD7-44D8-BBD7-CCE9431645EC}">
+                <a14:shadowObscured xmlns:a14="http://schemas.microsoft.com/office/drawing/2010/main"/>
+              </a:ext>
+            </a:extLst>
+          </p:spPr>
+        </p:pic>
+        <p:cxnSp>
+          <p:nvCxnSpPr>
+            <p:cNvPr id="6" name="Gerade Verbindung mit Pfeil 5">
+              <a:extLst>
+                <a:ext uri="{FF2B5EF4-FFF2-40B4-BE49-F238E27FC236}">
+                  <a16:creationId xmlns:a16="http://schemas.microsoft.com/office/drawing/2014/main" id="{53E71200-67BD-F4FF-BE3E-9C1D11DF7E3C}"/>
+                </a:ext>
+              </a:extLst>
+            </p:cNvPr>
+            <p:cNvCxnSpPr/>
+            <p:nvPr/>
+          </p:nvCxnSpPr>
+          <p:spPr>
+            <a:xfrm>
+              <a:off x="4149545" y="3250282"/>
+              <a:ext cx="1179782" cy="0"/>
+            </a:xfrm>
+            <a:prstGeom prst="straightConnector1">
+              <a:avLst/>
+            </a:prstGeom>
+            <a:ln w="28575">
+              <a:solidFill>
+                <a:schemeClr val="tx1"/>
+              </a:solidFill>
+              <a:headEnd type="triangle"/>
+              <a:tailEnd type="triangle"/>
+            </a:ln>
+          </p:spPr>
+          <p:style>
+            <a:lnRef idx="1">
+              <a:schemeClr val="accent1"/>
+            </a:lnRef>
+            <a:fillRef idx="0">
+              <a:schemeClr val="accent1"/>
+            </a:fillRef>
+            <a:effectRef idx="0">
+              <a:schemeClr val="accent1"/>
+            </a:effectRef>
+            <a:fontRef idx="minor">
+              <a:schemeClr val="tx1"/>
+            </a:fontRef>
+          </p:style>
+        </p:cxnSp>
+        <p:sp>
+          <p:nvSpPr>
+            <p:cNvPr id="7" name="Textfeld 2">
+              <a:extLst>
+                <a:ext uri="{FF2B5EF4-FFF2-40B4-BE49-F238E27FC236}">
+                  <a16:creationId xmlns:a16="http://schemas.microsoft.com/office/drawing/2014/main" id="{5A7D8CFC-18C1-8712-2C43-82821DB41D14}"/>
+                </a:ext>
+              </a:extLst>
+            </p:cNvPr>
+            <p:cNvSpPr txBox="1">
+              <a:spLocks noChangeArrowheads="1"/>
+            </p:cNvSpPr>
+            <p:nvPr/>
+          </p:nvSpPr>
+          <p:spPr bwMode="auto">
+            <a:xfrm>
+              <a:off x="4054788" y="2952082"/>
+              <a:ext cx="1612636" cy="343427"/>
+            </a:xfrm>
+            <a:prstGeom prst="rect">
+              <a:avLst/>
+            </a:prstGeom>
+            <a:noFill/>
+            <a:ln w="9525">
+              <a:noFill/>
+              <a:miter lim="800000"/>
+              <a:headEnd/>
+              <a:tailEnd/>
+            </a:ln>
+          </p:spPr>
+          <p:txBody>
+            <a:bodyPr rot="0" vert="horz" wrap="square" lIns="91440" tIns="45720" rIns="91440" bIns="45720" anchor="t" anchorCtr="0">
+              <a:spAutoFit/>
+            </a:bodyPr>
+            <a:lstStyle/>
+            <a:p>
+              <a:pPr>
+                <a:lnSpc>
+                  <a:spcPct val="107000"/>
+                </a:lnSpc>
+                <a:spcAft>
+                  <a:spcPts val="800"/>
+                </a:spcAft>
+              </a:pPr>
+              <a:r>
+                <a:rPr lang="de-CH" sz="1200" dirty="0">
+                  <a:effectLst/>
+                  <a:latin typeface="Calibri" panose="020F0502020204030204" pitchFamily="34" charset="0"/>
+                  <a:ea typeface="Calibri" panose="020F0502020204030204" pitchFamily="34" charset="0"/>
+                  <a:cs typeface="Times New Roman" panose="02020603050405020304" pitchFamily="18" charset="0"/>
+                </a:rPr>
+                <a:t>Großer Abstand</a:t>
+              </a:r>
+              <a:endParaRPr lang="de-DE" sz="1100" dirty="0">
+                <a:effectLst/>
+                <a:latin typeface="Calibri" panose="020F0502020204030204" pitchFamily="34" charset="0"/>
+                <a:ea typeface="Calibri" panose="020F0502020204030204" pitchFamily="34" charset="0"/>
+                <a:cs typeface="Times New Roman" panose="02020603050405020304" pitchFamily="18" charset="0"/>
+              </a:endParaRPr>
+            </a:p>
+          </p:txBody>
+        </p:sp>
+      </p:grpSp>
+      <p:grpSp>
+        <p:nvGrpSpPr>
+          <p:cNvPr id="8" name="Gruppieren 7">
+            <a:extLst>
+              <a:ext uri="{FF2B5EF4-FFF2-40B4-BE49-F238E27FC236}">
+                <a16:creationId xmlns:a16="http://schemas.microsoft.com/office/drawing/2014/main" id="{2CE57DFE-31CF-A146-175D-8D5DA1F4342E}"/>
+              </a:ext>
+            </a:extLst>
+          </p:cNvPr>
+          <p:cNvGrpSpPr/>
+          <p:nvPr/>
+        </p:nvGrpSpPr>
+        <p:grpSpPr>
+          <a:xfrm>
+            <a:off x="6729991" y="3215997"/>
+            <a:ext cx="4708634" cy="2866075"/>
+            <a:chOff x="0" y="0"/>
+            <a:chExt cx="5595455" cy="3533775"/>
+          </a:xfrm>
+        </p:grpSpPr>
+        <p:pic>
+          <p:nvPicPr>
+            <p:cNvPr id="9" name="Grafik 8" descr="Ein Bild, das Text, Elektronik, Screenshot, Display enthält.&#10;&#10;KI-generierte Inhalte können fehlerhaft sein.">
+              <a:extLst>
+                <a:ext uri="{FF2B5EF4-FFF2-40B4-BE49-F238E27FC236}">
+                  <a16:creationId xmlns:a16="http://schemas.microsoft.com/office/drawing/2014/main" id="{4A5EB9C9-2BE1-3980-6FF5-2F05E3A50C81}"/>
+                </a:ext>
+              </a:extLst>
+            </p:cNvPr>
+            <p:cNvPicPr>
+              <a:picLocks noChangeAspect="1"/>
+            </p:cNvPicPr>
+            <p:nvPr/>
+          </p:nvPicPr>
+          <p:blipFill rotWithShape="1">
+            <a:blip r:embed="rId3">
+              <a:extLst>
+                <a:ext uri="{28A0092B-C50C-407E-A947-70E740481C1C}">
+                  <a14:useLocalDpi xmlns:a14="http://schemas.microsoft.com/office/drawing/2010/main" val="0"/>
+                </a:ext>
+              </a:extLst>
+            </a:blip>
+            <a:srcRect l="1277" t="1092" r="927" b="21812"/>
+            <a:stretch>
+              <a:fillRect/>
+            </a:stretch>
+          </p:blipFill>
+          <p:spPr bwMode="auto">
+            <a:xfrm>
+              <a:off x="0" y="0"/>
+              <a:ext cx="5365115" cy="3533775"/>
+            </a:xfrm>
+            <a:prstGeom prst="rect">
+              <a:avLst/>
+            </a:prstGeom>
+            <a:ln>
+              <a:solidFill>
+                <a:schemeClr val="tx1"/>
+              </a:solidFill>
+            </a:ln>
+            <a:extLst>
+              <a:ext uri="{53640926-AAD7-44D8-BBD7-CCE9431645EC}">
+                <a14:shadowObscured xmlns:a14="http://schemas.microsoft.com/office/drawing/2010/main"/>
+              </a:ext>
+            </a:extLst>
+          </p:spPr>
+        </p:pic>
+        <p:sp>
+          <p:nvSpPr>
+            <p:cNvPr id="10" name="Textfeld 2">
+              <a:extLst>
+                <a:ext uri="{FF2B5EF4-FFF2-40B4-BE49-F238E27FC236}">
+                  <a16:creationId xmlns:a16="http://schemas.microsoft.com/office/drawing/2014/main" id="{48E1360C-9017-2D89-B5A1-0782A4AA050C}"/>
+                </a:ext>
+              </a:extLst>
+            </p:cNvPr>
+            <p:cNvSpPr txBox="1">
+              <a:spLocks noChangeArrowheads="1"/>
+            </p:cNvSpPr>
+            <p:nvPr/>
+          </p:nvSpPr>
+          <p:spPr bwMode="auto">
+            <a:xfrm>
+              <a:off x="4719306" y="2755821"/>
+              <a:ext cx="876149" cy="716897"/>
+            </a:xfrm>
+            <a:prstGeom prst="rect">
+              <a:avLst/>
+            </a:prstGeom>
+            <a:noFill/>
+            <a:ln w="9525">
+              <a:noFill/>
+              <a:miter lim="800000"/>
+              <a:headEnd/>
+              <a:tailEnd/>
+            </a:ln>
+          </p:spPr>
+          <p:txBody>
+            <a:bodyPr rot="0" vert="horz" wrap="square" lIns="91440" tIns="45720" rIns="91440" bIns="45720" anchor="t" anchorCtr="0">
+              <a:spAutoFit/>
+            </a:bodyPr>
+            <a:lstStyle/>
+            <a:p>
+              <a:pPr>
+                <a:lnSpc>
+                  <a:spcPct val="107000"/>
+                </a:lnSpc>
+                <a:spcAft>
+                  <a:spcPts val="800"/>
+                </a:spcAft>
+              </a:pPr>
+              <a:r>
+                <a:rPr lang="de-CH" sz="1200" dirty="0">
+                  <a:effectLst/>
+                  <a:latin typeface="Calibri" panose="020F0502020204030204" pitchFamily="34" charset="0"/>
+                  <a:ea typeface="Calibri" panose="020F0502020204030204" pitchFamily="34" charset="0"/>
+                  <a:cs typeface="Times New Roman" panose="02020603050405020304" pitchFamily="18" charset="0"/>
+                </a:rPr>
+                <a:t>Kurzer </a:t>
+              </a:r>
+            </a:p>
+            <a:p>
+              <a:pPr>
+                <a:lnSpc>
+                  <a:spcPct val="107000"/>
+                </a:lnSpc>
+                <a:spcAft>
+                  <a:spcPts val="800"/>
+                </a:spcAft>
+              </a:pPr>
+              <a:r>
+                <a:rPr lang="de-CH" sz="1200" dirty="0">
+                  <a:effectLst/>
+                  <a:latin typeface="Calibri" panose="020F0502020204030204" pitchFamily="34" charset="0"/>
+                  <a:ea typeface="Calibri" panose="020F0502020204030204" pitchFamily="34" charset="0"/>
+                  <a:cs typeface="Times New Roman" panose="02020603050405020304" pitchFamily="18" charset="0"/>
+                </a:rPr>
+                <a:t>Abstand</a:t>
+              </a:r>
+              <a:endParaRPr lang="de-DE" sz="1100" dirty="0">
+                <a:effectLst/>
+                <a:latin typeface="Calibri" panose="020F0502020204030204" pitchFamily="34" charset="0"/>
+                <a:ea typeface="Calibri" panose="020F0502020204030204" pitchFamily="34" charset="0"/>
+                <a:cs typeface="Times New Roman" panose="02020603050405020304" pitchFamily="18" charset="0"/>
+              </a:endParaRPr>
+            </a:p>
+          </p:txBody>
+        </p:sp>
+        <p:cxnSp>
+          <p:nvCxnSpPr>
+            <p:cNvPr id="11" name="Gerade Verbindung mit Pfeil 10">
+              <a:extLst>
+                <a:ext uri="{FF2B5EF4-FFF2-40B4-BE49-F238E27FC236}">
+                  <a16:creationId xmlns:a16="http://schemas.microsoft.com/office/drawing/2014/main" id="{D33338C7-08E6-B298-0478-EE6C3042EBC8}"/>
+                </a:ext>
+              </a:extLst>
+            </p:cNvPr>
+            <p:cNvCxnSpPr/>
+            <p:nvPr/>
+          </p:nvCxnSpPr>
+          <p:spPr>
+            <a:xfrm flipV="1">
+              <a:off x="4748981" y="3102569"/>
+              <a:ext cx="609600" cy="6774"/>
+            </a:xfrm>
+            <a:prstGeom prst="straightConnector1">
+              <a:avLst/>
+            </a:prstGeom>
+            <a:ln w="28575">
+              <a:solidFill>
+                <a:schemeClr val="tx1"/>
+              </a:solidFill>
+              <a:headEnd type="triangle"/>
+              <a:tailEnd type="triangle"/>
+            </a:ln>
+          </p:spPr>
+          <p:style>
+            <a:lnRef idx="1">
+              <a:schemeClr val="accent1"/>
+            </a:lnRef>
+            <a:fillRef idx="0">
+              <a:schemeClr val="accent1"/>
+            </a:fillRef>
+            <a:effectRef idx="0">
+              <a:schemeClr val="accent1"/>
+            </a:effectRef>
+            <a:fontRef idx="minor">
+              <a:schemeClr val="tx1"/>
+            </a:fontRef>
+          </p:style>
+        </p:cxnSp>
+      </p:grpSp>
+      <p:sp>
+        <p:nvSpPr>
+          <p:cNvPr id="12" name="Fußzeilenplatzhalter 11">
+            <a:extLst>
+              <a:ext uri="{FF2B5EF4-FFF2-40B4-BE49-F238E27FC236}">
+                <a16:creationId xmlns:a16="http://schemas.microsoft.com/office/drawing/2014/main" id="{4B5C6F5C-2AC5-5AEF-65E9-CC925DACF9AA}"/>
+              </a:ext>
+            </a:extLst>
+          </p:cNvPr>
+          <p:cNvSpPr>
+            <a:spLocks noGrp="1"/>
+          </p:cNvSpPr>
+          <p:nvPr>
+            <p:ph type="ftr" sz="quarter" idx="11"/>
+          </p:nvPr>
+        </p:nvSpPr>
+        <p:spPr/>
+        <p:txBody>
+          <a:bodyPr/>
+          <a:lstStyle/>
+          <a:p>
+            <a:r>
+              <a:rPr lang="sv-SE"/>
+              <a:t>Carina Halter, Laura Mirwald, Tristan Bihler, Semian Finné</a:t>
+            </a:r>
+            <a:endParaRPr lang="de-DE"/>
+          </a:p>
+        </p:txBody>
+      </p:sp>
+    </p:spTree>
+    <p:extLst>
+      <p:ext uri="{BB962C8B-B14F-4D97-AF65-F5344CB8AC3E}">
+        <p14:creationId xmlns:p14="http://schemas.microsoft.com/office/powerpoint/2010/main" val="1986956692"/>
+      </p:ext>
+    </p:extLst>
+  </p:cSld>
+  <p:clrMapOvr>
+    <a:masterClrMapping/>
+  </p:clrMapOvr>
+</p:sld>
+</file>
+
 <file path=ppt/slides/slide2.xml><?xml version="1.0" encoding="utf-8"?>
 <p:sld xmlns:a="http://schemas.openxmlformats.org/drawingml/2006/main" xmlns:r="http://schemas.openxmlformats.org/officeDocument/2006/relationships" xmlns:p="http://schemas.openxmlformats.org/presentationml/2006/main">
   <p:cSld>
@@ -7399,7 +8362,7 @@
           <a:p>
             <a:r>
               <a:rPr lang="de-DE" dirty="0"/>
-              <a:t>Testung</a:t>
+              <a:t>Testung und Debugging</a:t>
             </a:r>
           </a:p>
           <a:p>
@@ -7413,6 +8376,40 @@
               <a:rPr lang="de-DE" dirty="0"/>
               <a:t>Zukunftsaussichten</a:t>
             </a:r>
+          </a:p>
+        </p:txBody>
+      </p:sp>
+      <p:sp>
+        <p:nvSpPr>
+          <p:cNvPr id="3" name="Fußzeilenplatzhalter 2">
+            <a:extLst>
+              <a:ext uri="{FF2B5EF4-FFF2-40B4-BE49-F238E27FC236}">
+                <a16:creationId xmlns:a16="http://schemas.microsoft.com/office/drawing/2014/main" id="{F0E93D2F-8FF4-E799-111E-BE055BF599F8}"/>
+              </a:ext>
+            </a:extLst>
+          </p:cNvPr>
+          <p:cNvSpPr>
+            <a:spLocks noGrp="1"/>
+          </p:cNvSpPr>
+          <p:nvPr>
+            <p:ph type="ftr" sz="quarter" idx="11"/>
+          </p:nvPr>
+        </p:nvSpPr>
+        <p:spPr>
+          <a:xfrm>
+            <a:off x="141083" y="6310312"/>
+            <a:ext cx="5257800" cy="365125"/>
+          </a:xfrm>
+        </p:spPr>
+        <p:txBody>
+          <a:bodyPr/>
+          <a:lstStyle/>
+          <a:p>
+            <a:r>
+              <a:rPr lang="sv-SE" dirty="0"/>
+              <a:t>Carina Halter, Laura Mirwald, Tristan Bihler, Semian Finné</a:t>
+            </a:r>
+            <a:endParaRPr lang="de-DE" dirty="0"/>
           </a:p>
         </p:txBody>
       </p:sp>
@@ -7499,6 +8496,35 @@
           </a:p>
         </p:txBody>
       </p:sp>
+      <p:sp>
+        <p:nvSpPr>
+          <p:cNvPr id="4" name="Fußzeilenplatzhalter 3">
+            <a:extLst>
+              <a:ext uri="{FF2B5EF4-FFF2-40B4-BE49-F238E27FC236}">
+                <a16:creationId xmlns:a16="http://schemas.microsoft.com/office/drawing/2014/main" id="{7D071F04-D1BC-604B-1C47-72B02474067B}"/>
+              </a:ext>
+            </a:extLst>
+          </p:cNvPr>
+          <p:cNvSpPr>
+            <a:spLocks noGrp="1"/>
+          </p:cNvSpPr>
+          <p:nvPr>
+            <p:ph type="ftr" sz="quarter" idx="11"/>
+          </p:nvPr>
+        </p:nvSpPr>
+        <p:spPr/>
+        <p:txBody>
+          <a:bodyPr/>
+          <a:lstStyle/>
+          <a:p>
+            <a:r>
+              <a:rPr lang="sv-SE"/>
+              <a:t>Carina Halter, Laura Mirwald, Tristan Bihler, Semian Finné</a:t>
+            </a:r>
+            <a:endParaRPr lang="de-DE"/>
+          </a:p>
+        </p:txBody>
+      </p:sp>
     </p:spTree>
     <p:extLst>
       <p:ext uri="{BB962C8B-B14F-4D97-AF65-F5344CB8AC3E}">
@@ -7534,7 +8560,7 @@
           <p:cNvPr id="2" name="Titel 1">
             <a:extLst>
               <a:ext uri="{FF2B5EF4-FFF2-40B4-BE49-F238E27FC236}">
-                <a16:creationId xmlns:a16="http://schemas.microsoft.com/office/drawing/2014/main" id="{7284A0D8-3E75-35EE-AF23-197D5B2954DA}"/>
+                <a16:creationId xmlns:a16="http://schemas.microsoft.com/office/drawing/2014/main" id="{00A872A2-5DB9-6CB0-08E9-DCEE9F0CB43E}"/>
               </a:ext>
             </a:extLst>
           </p:cNvPr>
@@ -7551,28 +8577,25 @@
           <a:lstStyle/>
           <a:p>
             <a:r>
-              <a:rPr lang="de-DE" dirty="0" err="1"/>
-              <a:t>Programmarchitketur</a:t>
-            </a:r>
-            <a:endParaRPr lang="de-DE" dirty="0"/>
+              <a:rPr lang="de-DE" dirty="0"/>
+              <a:t>Datensynchronisation</a:t>
+            </a:r>
           </a:p>
         </p:txBody>
       </p:sp>
       <p:pic>
         <p:nvPicPr>
-          <p:cNvPr id="5" name="Inhaltsplatzhalter 4" descr="Ein Bild, das Text, Screenshot, Rechteck, Klebezettel enthält.&#10;&#10;KI-generierte Inhalte können fehlerhaft sein.">
-            <a:extLst>
-              <a:ext uri="{FF2B5EF4-FFF2-40B4-BE49-F238E27FC236}">
-                <a16:creationId xmlns:a16="http://schemas.microsoft.com/office/drawing/2014/main" id="{87511A3C-57FC-9440-3A73-9C7136AA7E52}"/>
+          <p:cNvPr id="4" name="Grafik 3" descr="Ein Bild, das Schrift, Grafiken, Screenshot, Logo enthält.&#10;&#10;KI-generierte Inhalte können fehlerhaft sein.">
+            <a:extLst>
+              <a:ext uri="{FF2B5EF4-FFF2-40B4-BE49-F238E27FC236}">
+                <a16:creationId xmlns:a16="http://schemas.microsoft.com/office/drawing/2014/main" id="{87773414-A8E8-4BD9-31D2-3C2783A79647}"/>
               </a:ext>
             </a:extLst>
           </p:cNvPr>
           <p:cNvPicPr>
-            <a:picLocks noGrp="1" noChangeAspect="1"/>
+            <a:picLocks noChangeAspect="1"/>
           </p:cNvPicPr>
-          <p:nvPr>
-            <p:ph idx="1"/>
-          </p:nvPr>
+          <p:nvPr/>
         </p:nvPicPr>
         <p:blipFill>
           <a:blip r:embed="rId2">
@@ -7588,15 +8611,1047 @@
         </p:blipFill>
         <p:spPr>
           <a:xfrm>
-            <a:off x="2105571" y="1682059"/>
-            <a:ext cx="7980857" cy="3493881"/>
+            <a:off x="1890712" y="1593554"/>
+            <a:ext cx="3419433" cy="1401967"/>
           </a:xfrm>
+          <a:prstGeom prst="rect">
+            <a:avLst/>
+          </a:prstGeom>
         </p:spPr>
       </p:pic>
+      <p:pic>
+        <p:nvPicPr>
+          <p:cNvPr id="6" name="Grafik 5" descr="Ein Bild, das Katze, Säugetier, Silhouette enthält.&#10;&#10;KI-generierte Inhalte können fehlerhaft sein.">
+            <a:extLst>
+              <a:ext uri="{FF2B5EF4-FFF2-40B4-BE49-F238E27FC236}">
+                <a16:creationId xmlns:a16="http://schemas.microsoft.com/office/drawing/2014/main" id="{0D73E721-8E6D-D126-0F20-85A2D3D134C3}"/>
+              </a:ext>
+            </a:extLst>
+          </p:cNvPr>
+          <p:cNvPicPr>
+            <a:picLocks noChangeAspect="1"/>
+          </p:cNvPicPr>
+          <p:nvPr/>
+        </p:nvPicPr>
+        <p:blipFill>
+          <a:blip r:embed="rId3">
+            <a:extLst>
+              <a:ext uri="{28A0092B-C50C-407E-A947-70E740481C1C}">
+                <a14:useLocalDpi xmlns:a14="http://schemas.microsoft.com/office/drawing/2010/main" val="0"/>
+              </a:ext>
+            </a:extLst>
+          </a:blip>
+          <a:stretch>
+            <a:fillRect/>
+          </a:stretch>
+        </p:blipFill>
+        <p:spPr>
+          <a:xfrm>
+            <a:off x="838200" y="1768282"/>
+            <a:ext cx="1052512" cy="1052512"/>
+          </a:xfrm>
+          <a:prstGeom prst="rect">
+            <a:avLst/>
+          </a:prstGeom>
+        </p:spPr>
+      </p:pic>
+      <p:sp>
+        <p:nvSpPr>
+          <p:cNvPr id="8" name="Textfeld 7">
+            <a:extLst>
+              <a:ext uri="{FF2B5EF4-FFF2-40B4-BE49-F238E27FC236}">
+                <a16:creationId xmlns:a16="http://schemas.microsoft.com/office/drawing/2014/main" id="{475715C1-7483-8198-2B3D-9D360EFA2F50}"/>
+              </a:ext>
+            </a:extLst>
+          </p:cNvPr>
+          <p:cNvSpPr txBox="1"/>
+          <p:nvPr/>
+        </p:nvSpPr>
+        <p:spPr>
+          <a:xfrm>
+            <a:off x="2244014" y="2739386"/>
+            <a:ext cx="2790106" cy="369332"/>
+          </a:xfrm>
+          <a:prstGeom prst="rect">
+            <a:avLst/>
+          </a:prstGeom>
+          <a:noFill/>
+        </p:spPr>
+        <p:txBody>
+          <a:bodyPr wrap="square">
+            <a:spAutoFit/>
+          </a:bodyPr>
+          <a:lstStyle/>
+          <a:p>
+            <a:r>
+              <a:rPr lang="de-DE" dirty="0"/>
+              <a:t>https://github.com/logos</a:t>
+            </a:r>
+          </a:p>
+        </p:txBody>
+      </p:sp>
+      <p:pic>
+        <p:nvPicPr>
+          <p:cNvPr id="11" name="Grafik 10">
+            <a:extLst>
+              <a:ext uri="{FF2B5EF4-FFF2-40B4-BE49-F238E27FC236}">
+                <a16:creationId xmlns:a16="http://schemas.microsoft.com/office/drawing/2014/main" id="{ED3E76D8-B675-6636-7562-907F8D67411E}"/>
+              </a:ext>
+            </a:extLst>
+          </p:cNvPr>
+          <p:cNvPicPr>
+            <a:picLocks noChangeAspect="1"/>
+          </p:cNvPicPr>
+          <p:nvPr/>
+        </p:nvPicPr>
+        <p:blipFill>
+          <a:blip r:embed="rId4"/>
+          <a:stretch>
+            <a:fillRect/>
+          </a:stretch>
+        </p:blipFill>
+        <p:spPr>
+          <a:xfrm>
+            <a:off x="5963651" y="1690688"/>
+            <a:ext cx="5390150" cy="4324032"/>
+          </a:xfrm>
+          <a:prstGeom prst="rect">
+            <a:avLst/>
+          </a:prstGeom>
+        </p:spPr>
+      </p:pic>
+      <p:sp>
+        <p:nvSpPr>
+          <p:cNvPr id="3" name="Fußzeilenplatzhalter 2">
+            <a:extLst>
+              <a:ext uri="{FF2B5EF4-FFF2-40B4-BE49-F238E27FC236}">
+                <a16:creationId xmlns:a16="http://schemas.microsoft.com/office/drawing/2014/main" id="{A758D5BE-1978-3886-D035-8943F3534381}"/>
+              </a:ext>
+            </a:extLst>
+          </p:cNvPr>
+          <p:cNvSpPr>
+            <a:spLocks noGrp="1"/>
+          </p:cNvSpPr>
+          <p:nvPr>
+            <p:ph type="ftr" sz="quarter" idx="11"/>
+          </p:nvPr>
+        </p:nvSpPr>
+        <p:spPr/>
+        <p:txBody>
+          <a:bodyPr/>
+          <a:lstStyle/>
+          <a:p>
+            <a:r>
+              <a:rPr lang="sv-SE"/>
+              <a:t>Carina Halter, Laura Mirwald, Tristan Bihler, Semian Finné</a:t>
+            </a:r>
+            <a:endParaRPr lang="de-DE"/>
+          </a:p>
+        </p:txBody>
+      </p:sp>
     </p:spTree>
     <p:extLst>
       <p:ext uri="{BB962C8B-B14F-4D97-AF65-F5344CB8AC3E}">
-        <p14:creationId xmlns:p14="http://schemas.microsoft.com/office/powerpoint/2010/main" val="2627728501"/>
+        <p14:creationId xmlns:p14="http://schemas.microsoft.com/office/powerpoint/2010/main" val="2394509811"/>
+      </p:ext>
+    </p:extLst>
+  </p:cSld>
+  <p:clrMapOvr>
+    <a:masterClrMapping/>
+  </p:clrMapOvr>
+  <p:timing>
+    <p:tnLst>
+      <p:par>
+        <p:cTn id="1" dur="indefinite" restart="never" nodeType="tmRoot">
+          <p:childTnLst>
+            <p:seq concurrent="1" nextAc="seek">
+              <p:cTn id="2" dur="indefinite" nodeType="mainSeq">
+                <p:childTnLst>
+                  <p:par>
+                    <p:cTn id="3" fill="hold">
+                      <p:stCondLst>
+                        <p:cond delay="indefinite"/>
+                      </p:stCondLst>
+                      <p:childTnLst>
+                        <p:par>
+                          <p:cTn id="4" fill="hold">
+                            <p:stCondLst>
+                              <p:cond delay="0"/>
+                            </p:stCondLst>
+                            <p:childTnLst>
+                              <p:par>
+                                <p:cTn id="5" presetID="1" presetClass="entr" presetSubtype="0" fill="hold" nodeType="clickEffect">
+                                  <p:stCondLst>
+                                    <p:cond delay="0"/>
+                                  </p:stCondLst>
+                                  <p:childTnLst>
+                                    <p:set>
+                                      <p:cBhvr>
+                                        <p:cTn id="6" dur="1" fill="hold">
+                                          <p:stCondLst>
+                                            <p:cond delay="0"/>
+                                          </p:stCondLst>
+                                        </p:cTn>
+                                        <p:tgtEl>
+                                          <p:spTgt spid="6"/>
+                                        </p:tgtEl>
+                                        <p:attrNameLst>
+                                          <p:attrName>style.visibility</p:attrName>
+                                        </p:attrNameLst>
+                                      </p:cBhvr>
+                                      <p:to>
+                                        <p:strVal val="visible"/>
+                                      </p:to>
+                                    </p:set>
+                                  </p:childTnLst>
+                                </p:cTn>
+                              </p:par>
+                              <p:par>
+                                <p:cTn id="7" presetID="1" presetClass="entr" presetSubtype="0" fill="hold" nodeType="withEffect">
+                                  <p:stCondLst>
+                                    <p:cond delay="0"/>
+                                  </p:stCondLst>
+                                  <p:childTnLst>
+                                    <p:set>
+                                      <p:cBhvr>
+                                        <p:cTn id="8" dur="1" fill="hold">
+                                          <p:stCondLst>
+                                            <p:cond delay="0"/>
+                                          </p:stCondLst>
+                                        </p:cTn>
+                                        <p:tgtEl>
+                                          <p:spTgt spid="4"/>
+                                        </p:tgtEl>
+                                        <p:attrNameLst>
+                                          <p:attrName>style.visibility</p:attrName>
+                                        </p:attrNameLst>
+                                      </p:cBhvr>
+                                      <p:to>
+                                        <p:strVal val="visible"/>
+                                      </p:to>
+                                    </p:set>
+                                  </p:childTnLst>
+                                </p:cTn>
+                              </p:par>
+                              <p:par>
+                                <p:cTn id="9" presetID="1" presetClass="entr" presetSubtype="0" fill="hold" grpId="0" nodeType="withEffect">
+                                  <p:stCondLst>
+                                    <p:cond delay="0"/>
+                                  </p:stCondLst>
+                                  <p:childTnLst>
+                                    <p:set>
+                                      <p:cBhvr>
+                                        <p:cTn id="10" dur="1" fill="hold">
+                                          <p:stCondLst>
+                                            <p:cond delay="0"/>
+                                          </p:stCondLst>
+                                        </p:cTn>
+                                        <p:tgtEl>
+                                          <p:spTgt spid="8"/>
+                                        </p:tgtEl>
+                                        <p:attrNameLst>
+                                          <p:attrName>style.visibility</p:attrName>
+                                        </p:attrNameLst>
+                                      </p:cBhvr>
+                                      <p:to>
+                                        <p:strVal val="visible"/>
+                                      </p:to>
+                                    </p:set>
+                                  </p:childTnLst>
+                                </p:cTn>
+                              </p:par>
+                            </p:childTnLst>
+                          </p:cTn>
+                        </p:par>
+                      </p:childTnLst>
+                    </p:cTn>
+                  </p:par>
+                  <p:par>
+                    <p:cTn id="11" fill="hold">
+                      <p:stCondLst>
+                        <p:cond delay="indefinite"/>
+                      </p:stCondLst>
+                      <p:childTnLst>
+                        <p:par>
+                          <p:cTn id="12" fill="hold">
+                            <p:stCondLst>
+                              <p:cond delay="0"/>
+                            </p:stCondLst>
+                            <p:childTnLst>
+                              <p:par>
+                                <p:cTn id="13" presetID="1" presetClass="entr" presetSubtype="0" fill="hold" nodeType="clickEffect">
+                                  <p:stCondLst>
+                                    <p:cond delay="0"/>
+                                  </p:stCondLst>
+                                  <p:childTnLst>
+                                    <p:set>
+                                      <p:cBhvr>
+                                        <p:cTn id="14" dur="1" fill="hold">
+                                          <p:stCondLst>
+                                            <p:cond delay="0"/>
+                                          </p:stCondLst>
+                                        </p:cTn>
+                                        <p:tgtEl>
+                                          <p:spTgt spid="11"/>
+                                        </p:tgtEl>
+                                        <p:attrNameLst>
+                                          <p:attrName>style.visibility</p:attrName>
+                                        </p:attrNameLst>
+                                      </p:cBhvr>
+                                      <p:to>
+                                        <p:strVal val="visible"/>
+                                      </p:to>
+                                    </p:set>
+                                  </p:childTnLst>
+                                </p:cTn>
+                              </p:par>
+                            </p:childTnLst>
+                          </p:cTn>
+                        </p:par>
+                      </p:childTnLst>
+                    </p:cTn>
+                  </p:par>
+                </p:childTnLst>
+              </p:cTn>
+              <p:prevCondLst>
+                <p:cond evt="onPrev" delay="0">
+                  <p:tgtEl>
+                    <p:sldTgt/>
+                  </p:tgtEl>
+                </p:cond>
+              </p:prevCondLst>
+              <p:nextCondLst>
+                <p:cond evt="onNext" delay="0">
+                  <p:tgtEl>
+                    <p:sldTgt/>
+                  </p:tgtEl>
+                </p:cond>
+              </p:nextCondLst>
+            </p:seq>
+          </p:childTnLst>
+        </p:cTn>
+      </p:par>
+    </p:tnLst>
+    <p:bldLst>
+      <p:bldP spid="8" grpId="0"/>
+    </p:bldLst>
+  </p:timing>
+</p:sld>
+</file>
+
+<file path=ppt/slides/slide5.xml><?xml version="1.0" encoding="utf-8"?>
+<p:sld xmlns:a="http://schemas.openxmlformats.org/drawingml/2006/main" xmlns:r="http://schemas.openxmlformats.org/officeDocument/2006/relationships" xmlns:p="http://schemas.openxmlformats.org/presentationml/2006/main">
+  <p:cSld>
+    <p:spTree>
+      <p:nvGrpSpPr>
+        <p:cNvPr id="1" name="">
+          <a:extLst>
+            <a:ext uri="{FF2B5EF4-FFF2-40B4-BE49-F238E27FC236}">
+              <a16:creationId xmlns:a16="http://schemas.microsoft.com/office/drawing/2014/main" id="{4D46C271-9BBC-3D8E-1FE3-2ADE5E7AA168}"/>
+            </a:ext>
+          </a:extLst>
+        </p:cNvPr>
+        <p:cNvGrpSpPr/>
+        <p:nvPr/>
+      </p:nvGrpSpPr>
+      <p:grpSpPr>
+        <a:xfrm>
+          <a:off x="0" y="0"/>
+          <a:ext cx="0" cy="0"/>
+          <a:chOff x="0" y="0"/>
+          <a:chExt cx="0" cy="0"/>
+        </a:xfrm>
+      </p:grpSpPr>
+      <p:sp>
+        <p:nvSpPr>
+          <p:cNvPr id="2" name="Titel 1">
+            <a:extLst>
+              <a:ext uri="{FF2B5EF4-FFF2-40B4-BE49-F238E27FC236}">
+                <a16:creationId xmlns:a16="http://schemas.microsoft.com/office/drawing/2014/main" id="{E9C94F14-F60D-AB9A-241D-2BA07451D9C3}"/>
+              </a:ext>
+            </a:extLst>
+          </p:cNvPr>
+          <p:cNvSpPr>
+            <a:spLocks noGrp="1"/>
+          </p:cNvSpPr>
+          <p:nvPr>
+            <p:ph type="title"/>
+          </p:nvPr>
+        </p:nvSpPr>
+        <p:spPr/>
+        <p:txBody>
+          <a:bodyPr/>
+          <a:lstStyle/>
+          <a:p>
+            <a:r>
+              <a:rPr lang="de-DE" dirty="0"/>
+              <a:t>Zeitplan</a:t>
+            </a:r>
+          </a:p>
+        </p:txBody>
+      </p:sp>
+      <p:pic>
+        <p:nvPicPr>
+          <p:cNvPr id="12" name="Grafik 11">
+            <a:extLst>
+              <a:ext uri="{FF2B5EF4-FFF2-40B4-BE49-F238E27FC236}">
+                <a16:creationId xmlns:a16="http://schemas.microsoft.com/office/drawing/2014/main" id="{8AB7CA98-2886-E118-5B35-AC862DFFBDB9}"/>
+              </a:ext>
+            </a:extLst>
+          </p:cNvPr>
+          <p:cNvPicPr>
+            <a:picLocks noChangeAspect="1"/>
+          </p:cNvPicPr>
+          <p:nvPr/>
+        </p:nvPicPr>
+        <p:blipFill>
+          <a:blip r:embed="rId2"/>
+          <a:stretch>
+            <a:fillRect/>
+          </a:stretch>
+        </p:blipFill>
+        <p:spPr>
+          <a:xfrm>
+            <a:off x="838200" y="1369679"/>
+            <a:ext cx="8285018" cy="4744833"/>
+          </a:xfrm>
+          <a:prstGeom prst="rect">
+            <a:avLst/>
+          </a:prstGeom>
+        </p:spPr>
+      </p:pic>
+      <p:sp>
+        <p:nvSpPr>
+          <p:cNvPr id="14" name="Rechteck 13">
+            <a:extLst>
+              <a:ext uri="{FF2B5EF4-FFF2-40B4-BE49-F238E27FC236}">
+                <a16:creationId xmlns:a16="http://schemas.microsoft.com/office/drawing/2014/main" id="{FEF670A3-B098-B7A9-D8D7-AB95459C1F17}"/>
+              </a:ext>
+            </a:extLst>
+          </p:cNvPr>
+          <p:cNvSpPr/>
+          <p:nvPr/>
+        </p:nvSpPr>
+        <p:spPr>
+          <a:xfrm>
+            <a:off x="838200" y="2775145"/>
+            <a:ext cx="1559560" cy="2778987"/>
+          </a:xfrm>
+          <a:prstGeom prst="rect">
+            <a:avLst/>
+          </a:prstGeom>
+          <a:noFill/>
+          <a:ln w="38100">
+            <a:solidFill>
+              <a:srgbClr val="FF0000"/>
+            </a:solidFill>
+          </a:ln>
+        </p:spPr>
+        <p:style>
+          <a:lnRef idx="2">
+            <a:schemeClr val="accent1">
+              <a:shade val="15000"/>
+            </a:schemeClr>
+          </a:lnRef>
+          <a:fillRef idx="1">
+            <a:schemeClr val="accent1"/>
+          </a:fillRef>
+          <a:effectRef idx="0">
+            <a:schemeClr val="accent1"/>
+          </a:effectRef>
+          <a:fontRef idx="minor">
+            <a:schemeClr val="lt1"/>
+          </a:fontRef>
+        </p:style>
+        <p:txBody>
+          <a:bodyPr rtlCol="0" anchor="ctr"/>
+          <a:lstStyle/>
+          <a:p>
+            <a:pPr algn="ctr"/>
+            <a:endParaRPr lang="de-DE"/>
+          </a:p>
+        </p:txBody>
+      </p:sp>
+      <p:sp>
+        <p:nvSpPr>
+          <p:cNvPr id="15" name="Rechteck 14">
+            <a:extLst>
+              <a:ext uri="{FF2B5EF4-FFF2-40B4-BE49-F238E27FC236}">
+                <a16:creationId xmlns:a16="http://schemas.microsoft.com/office/drawing/2014/main" id="{2090E730-DE65-E323-2415-2767F73D1168}"/>
+              </a:ext>
+            </a:extLst>
+          </p:cNvPr>
+          <p:cNvSpPr/>
+          <p:nvPr/>
+        </p:nvSpPr>
+        <p:spPr>
+          <a:xfrm>
+            <a:off x="2397760" y="2775144"/>
+            <a:ext cx="731520" cy="2778987"/>
+          </a:xfrm>
+          <a:prstGeom prst="rect">
+            <a:avLst/>
+          </a:prstGeom>
+          <a:noFill/>
+          <a:ln w="38100">
+            <a:solidFill>
+              <a:srgbClr val="FF0000"/>
+            </a:solidFill>
+          </a:ln>
+        </p:spPr>
+        <p:style>
+          <a:lnRef idx="2">
+            <a:schemeClr val="accent1">
+              <a:shade val="15000"/>
+            </a:schemeClr>
+          </a:lnRef>
+          <a:fillRef idx="1">
+            <a:schemeClr val="accent1"/>
+          </a:fillRef>
+          <a:effectRef idx="0">
+            <a:schemeClr val="accent1"/>
+          </a:effectRef>
+          <a:fontRef idx="minor">
+            <a:schemeClr val="lt1"/>
+          </a:fontRef>
+        </p:style>
+        <p:txBody>
+          <a:bodyPr rtlCol="0" anchor="ctr"/>
+          <a:lstStyle/>
+          <a:p>
+            <a:pPr algn="ctr"/>
+            <a:endParaRPr lang="de-DE"/>
+          </a:p>
+        </p:txBody>
+      </p:sp>
+      <p:sp>
+        <p:nvSpPr>
+          <p:cNvPr id="16" name="Rechteck 15">
+            <a:extLst>
+              <a:ext uri="{FF2B5EF4-FFF2-40B4-BE49-F238E27FC236}">
+                <a16:creationId xmlns:a16="http://schemas.microsoft.com/office/drawing/2014/main" id="{81596D1A-6D64-57DC-7BFF-76DCD3917E2B}"/>
+              </a:ext>
+            </a:extLst>
+          </p:cNvPr>
+          <p:cNvSpPr/>
+          <p:nvPr/>
+        </p:nvSpPr>
+        <p:spPr>
+          <a:xfrm>
+            <a:off x="3129280" y="2775143"/>
+            <a:ext cx="5933442" cy="2778987"/>
+          </a:xfrm>
+          <a:prstGeom prst="rect">
+            <a:avLst/>
+          </a:prstGeom>
+          <a:noFill/>
+          <a:ln w="38100">
+            <a:solidFill>
+              <a:srgbClr val="FF0000"/>
+            </a:solidFill>
+          </a:ln>
+        </p:spPr>
+        <p:style>
+          <a:lnRef idx="2">
+            <a:schemeClr val="accent1">
+              <a:shade val="15000"/>
+            </a:schemeClr>
+          </a:lnRef>
+          <a:fillRef idx="1">
+            <a:schemeClr val="accent1"/>
+          </a:fillRef>
+          <a:effectRef idx="0">
+            <a:schemeClr val="accent1"/>
+          </a:effectRef>
+          <a:fontRef idx="minor">
+            <a:schemeClr val="lt1"/>
+          </a:fontRef>
+        </p:style>
+        <p:txBody>
+          <a:bodyPr rtlCol="0" anchor="ctr"/>
+          <a:lstStyle/>
+          <a:p>
+            <a:pPr algn="ctr"/>
+            <a:endParaRPr lang="de-DE"/>
+          </a:p>
+        </p:txBody>
+      </p:sp>
+      <p:sp>
+        <p:nvSpPr>
+          <p:cNvPr id="17" name="Rechteck 16">
+            <a:extLst>
+              <a:ext uri="{FF2B5EF4-FFF2-40B4-BE49-F238E27FC236}">
+                <a16:creationId xmlns:a16="http://schemas.microsoft.com/office/drawing/2014/main" id="{AC18E5FE-9258-F8A9-819C-5C5D4102F080}"/>
+              </a:ext>
+            </a:extLst>
+          </p:cNvPr>
+          <p:cNvSpPr/>
+          <p:nvPr/>
+        </p:nvSpPr>
+        <p:spPr>
+          <a:xfrm>
+            <a:off x="6539653" y="3925147"/>
+            <a:ext cx="2523069" cy="1628983"/>
+          </a:xfrm>
+          <a:prstGeom prst="rect">
+            <a:avLst/>
+          </a:prstGeom>
+          <a:noFill/>
+          <a:ln w="38100">
+            <a:solidFill>
+              <a:srgbClr val="FF0000"/>
+            </a:solidFill>
+          </a:ln>
+        </p:spPr>
+        <p:style>
+          <a:lnRef idx="2">
+            <a:schemeClr val="accent1">
+              <a:shade val="15000"/>
+            </a:schemeClr>
+          </a:lnRef>
+          <a:fillRef idx="1">
+            <a:schemeClr val="accent1"/>
+          </a:fillRef>
+          <a:effectRef idx="0">
+            <a:schemeClr val="accent1"/>
+          </a:effectRef>
+          <a:fontRef idx="minor">
+            <a:schemeClr val="lt1"/>
+          </a:fontRef>
+        </p:style>
+        <p:txBody>
+          <a:bodyPr rtlCol="0" anchor="ctr"/>
+          <a:lstStyle/>
+          <a:p>
+            <a:pPr algn="ctr"/>
+            <a:endParaRPr lang="de-DE"/>
+          </a:p>
+        </p:txBody>
+      </p:sp>
+      <p:sp>
+        <p:nvSpPr>
+          <p:cNvPr id="3" name="Fußzeilenplatzhalter 2">
+            <a:extLst>
+              <a:ext uri="{FF2B5EF4-FFF2-40B4-BE49-F238E27FC236}">
+                <a16:creationId xmlns:a16="http://schemas.microsoft.com/office/drawing/2014/main" id="{FF00B845-866C-FFA8-1842-EE49A05BE38C}"/>
+              </a:ext>
+            </a:extLst>
+          </p:cNvPr>
+          <p:cNvSpPr>
+            <a:spLocks noGrp="1"/>
+          </p:cNvSpPr>
+          <p:nvPr>
+            <p:ph type="ftr" sz="quarter" idx="11"/>
+          </p:nvPr>
+        </p:nvSpPr>
+        <p:spPr/>
+        <p:txBody>
+          <a:bodyPr/>
+          <a:lstStyle/>
+          <a:p>
+            <a:r>
+              <a:rPr lang="sv-SE"/>
+              <a:t>Carina Halter, Laura Mirwald, Tristan Bihler, Semian Finné</a:t>
+            </a:r>
+            <a:endParaRPr lang="de-DE"/>
+          </a:p>
+        </p:txBody>
+      </p:sp>
+    </p:spTree>
+    <p:extLst>
+      <p:ext uri="{BB962C8B-B14F-4D97-AF65-F5344CB8AC3E}">
+        <p14:creationId xmlns:p14="http://schemas.microsoft.com/office/powerpoint/2010/main" val="3742482448"/>
+      </p:ext>
+    </p:extLst>
+  </p:cSld>
+  <p:clrMapOvr>
+    <a:masterClrMapping/>
+  </p:clrMapOvr>
+  <p:timing>
+    <p:tnLst>
+      <p:par>
+        <p:cTn id="1" dur="indefinite" restart="never" nodeType="tmRoot">
+          <p:childTnLst>
+            <p:seq concurrent="1" nextAc="seek">
+              <p:cTn id="2" dur="indefinite" nodeType="mainSeq">
+                <p:childTnLst>
+                  <p:par>
+                    <p:cTn id="3" fill="hold">
+                      <p:stCondLst>
+                        <p:cond delay="indefinite"/>
+                      </p:stCondLst>
+                      <p:childTnLst>
+                        <p:par>
+                          <p:cTn id="4" fill="hold">
+                            <p:stCondLst>
+                              <p:cond delay="0"/>
+                            </p:stCondLst>
+                            <p:childTnLst>
+                              <p:par>
+                                <p:cTn id="5" presetID="1" presetClass="entr" presetSubtype="0" fill="hold" grpId="0" nodeType="clickEffect">
+                                  <p:stCondLst>
+                                    <p:cond delay="0"/>
+                                  </p:stCondLst>
+                                  <p:childTnLst>
+                                    <p:set>
+                                      <p:cBhvr>
+                                        <p:cTn id="6" dur="1" fill="hold">
+                                          <p:stCondLst>
+                                            <p:cond delay="0"/>
+                                          </p:stCondLst>
+                                        </p:cTn>
+                                        <p:tgtEl>
+                                          <p:spTgt spid="14"/>
+                                        </p:tgtEl>
+                                        <p:attrNameLst>
+                                          <p:attrName>style.visibility</p:attrName>
+                                        </p:attrNameLst>
+                                      </p:cBhvr>
+                                      <p:to>
+                                        <p:strVal val="visible"/>
+                                      </p:to>
+                                    </p:set>
+                                  </p:childTnLst>
+                                </p:cTn>
+                              </p:par>
+                            </p:childTnLst>
+                          </p:cTn>
+                        </p:par>
+                      </p:childTnLst>
+                    </p:cTn>
+                  </p:par>
+                  <p:par>
+                    <p:cTn id="7" fill="hold">
+                      <p:stCondLst>
+                        <p:cond delay="indefinite"/>
+                      </p:stCondLst>
+                      <p:childTnLst>
+                        <p:par>
+                          <p:cTn id="8" fill="hold">
+                            <p:stCondLst>
+                              <p:cond delay="0"/>
+                            </p:stCondLst>
+                            <p:childTnLst>
+                              <p:par>
+                                <p:cTn id="9" presetID="1" presetClass="entr" presetSubtype="0" fill="hold" grpId="0" nodeType="clickEffect">
+                                  <p:stCondLst>
+                                    <p:cond delay="0"/>
+                                  </p:stCondLst>
+                                  <p:childTnLst>
+                                    <p:set>
+                                      <p:cBhvr>
+                                        <p:cTn id="10" dur="1" fill="hold">
+                                          <p:stCondLst>
+                                            <p:cond delay="0"/>
+                                          </p:stCondLst>
+                                        </p:cTn>
+                                        <p:tgtEl>
+                                          <p:spTgt spid="15"/>
+                                        </p:tgtEl>
+                                        <p:attrNameLst>
+                                          <p:attrName>style.visibility</p:attrName>
+                                        </p:attrNameLst>
+                                      </p:cBhvr>
+                                      <p:to>
+                                        <p:strVal val="visible"/>
+                                      </p:to>
+                                    </p:set>
+                                  </p:childTnLst>
+                                </p:cTn>
+                              </p:par>
+                            </p:childTnLst>
+                          </p:cTn>
+                        </p:par>
+                      </p:childTnLst>
+                    </p:cTn>
+                  </p:par>
+                  <p:par>
+                    <p:cTn id="11" fill="hold">
+                      <p:stCondLst>
+                        <p:cond delay="indefinite"/>
+                      </p:stCondLst>
+                      <p:childTnLst>
+                        <p:par>
+                          <p:cTn id="12" fill="hold">
+                            <p:stCondLst>
+                              <p:cond delay="0"/>
+                            </p:stCondLst>
+                            <p:childTnLst>
+                              <p:par>
+                                <p:cTn id="13" presetID="1" presetClass="entr" presetSubtype="0" fill="hold" grpId="0" nodeType="clickEffect">
+                                  <p:stCondLst>
+                                    <p:cond delay="0"/>
+                                  </p:stCondLst>
+                                  <p:childTnLst>
+                                    <p:set>
+                                      <p:cBhvr>
+                                        <p:cTn id="14" dur="1" fill="hold">
+                                          <p:stCondLst>
+                                            <p:cond delay="0"/>
+                                          </p:stCondLst>
+                                        </p:cTn>
+                                        <p:tgtEl>
+                                          <p:spTgt spid="16"/>
+                                        </p:tgtEl>
+                                        <p:attrNameLst>
+                                          <p:attrName>style.visibility</p:attrName>
+                                        </p:attrNameLst>
+                                      </p:cBhvr>
+                                      <p:to>
+                                        <p:strVal val="visible"/>
+                                      </p:to>
+                                    </p:set>
+                                  </p:childTnLst>
+                                </p:cTn>
+                              </p:par>
+                            </p:childTnLst>
+                          </p:cTn>
+                        </p:par>
+                      </p:childTnLst>
+                    </p:cTn>
+                  </p:par>
+                  <p:par>
+                    <p:cTn id="15" fill="hold">
+                      <p:stCondLst>
+                        <p:cond delay="indefinite"/>
+                      </p:stCondLst>
+                      <p:childTnLst>
+                        <p:par>
+                          <p:cTn id="16" fill="hold">
+                            <p:stCondLst>
+                              <p:cond delay="0"/>
+                            </p:stCondLst>
+                            <p:childTnLst>
+                              <p:par>
+                                <p:cTn id="17" presetID="1" presetClass="entr" presetSubtype="0" fill="hold" grpId="0" nodeType="clickEffect">
+                                  <p:stCondLst>
+                                    <p:cond delay="0"/>
+                                  </p:stCondLst>
+                                  <p:childTnLst>
+                                    <p:set>
+                                      <p:cBhvr>
+                                        <p:cTn id="18" dur="1" fill="hold">
+                                          <p:stCondLst>
+                                            <p:cond delay="0"/>
+                                          </p:stCondLst>
+                                        </p:cTn>
+                                        <p:tgtEl>
+                                          <p:spTgt spid="17"/>
+                                        </p:tgtEl>
+                                        <p:attrNameLst>
+                                          <p:attrName>style.visibility</p:attrName>
+                                        </p:attrNameLst>
+                                      </p:cBhvr>
+                                      <p:to>
+                                        <p:strVal val="visible"/>
+                                      </p:to>
+                                    </p:set>
+                                  </p:childTnLst>
+                                </p:cTn>
+                              </p:par>
+                            </p:childTnLst>
+                          </p:cTn>
+                        </p:par>
+                      </p:childTnLst>
+                    </p:cTn>
+                  </p:par>
+                </p:childTnLst>
+              </p:cTn>
+              <p:prevCondLst>
+                <p:cond evt="onPrev" delay="0">
+                  <p:tgtEl>
+                    <p:sldTgt/>
+                  </p:tgtEl>
+                </p:cond>
+              </p:prevCondLst>
+              <p:nextCondLst>
+                <p:cond evt="onNext" delay="0">
+                  <p:tgtEl>
+                    <p:sldTgt/>
+                  </p:tgtEl>
+                </p:cond>
+              </p:nextCondLst>
+            </p:seq>
+          </p:childTnLst>
+        </p:cTn>
+      </p:par>
+    </p:tnLst>
+    <p:bldLst>
+      <p:bldP spid="14" grpId="0" animBg="1"/>
+      <p:bldP spid="15" grpId="0" animBg="1"/>
+      <p:bldP spid="16" grpId="0" animBg="1"/>
+      <p:bldP spid="17" grpId="0" animBg="1"/>
+    </p:bldLst>
+  </p:timing>
+</p:sld>
+</file>
+
+<file path=ppt/slides/slide6.xml><?xml version="1.0" encoding="utf-8"?>
+<p:sld xmlns:a="http://schemas.openxmlformats.org/drawingml/2006/main" xmlns:r="http://schemas.openxmlformats.org/officeDocument/2006/relationships" xmlns:p="http://schemas.openxmlformats.org/presentationml/2006/main">
+  <p:cSld>
+    <p:spTree>
+      <p:nvGrpSpPr>
+        <p:cNvPr id="1" name="">
+          <a:extLst>
+            <a:ext uri="{FF2B5EF4-FFF2-40B4-BE49-F238E27FC236}">
+              <a16:creationId xmlns:a16="http://schemas.microsoft.com/office/drawing/2014/main" id="{14E7C33B-BEF7-BE58-F668-EBC411025081}"/>
+            </a:ext>
+          </a:extLst>
+        </p:cNvPr>
+        <p:cNvGrpSpPr/>
+        <p:nvPr/>
+      </p:nvGrpSpPr>
+      <p:grpSpPr>
+        <a:xfrm>
+          <a:off x="0" y="0"/>
+          <a:ext cx="0" cy="0"/>
+          <a:chOff x="0" y="0"/>
+          <a:chExt cx="0" cy="0"/>
+        </a:xfrm>
+      </p:grpSpPr>
+      <p:sp>
+        <p:nvSpPr>
+          <p:cNvPr id="2" name="Titel 1">
+            <a:extLst>
+              <a:ext uri="{FF2B5EF4-FFF2-40B4-BE49-F238E27FC236}">
+                <a16:creationId xmlns:a16="http://schemas.microsoft.com/office/drawing/2014/main" id="{C6E8BFCB-C80D-F096-72FE-76CAC9330CBE}"/>
+              </a:ext>
+            </a:extLst>
+          </p:cNvPr>
+          <p:cNvSpPr>
+            <a:spLocks noGrp="1"/>
+          </p:cNvSpPr>
+          <p:nvPr>
+            <p:ph type="title"/>
+          </p:nvPr>
+        </p:nvSpPr>
+        <p:spPr/>
+        <p:txBody>
+          <a:bodyPr/>
+          <a:lstStyle/>
+          <a:p>
+            <a:r>
+              <a:rPr lang="de-DE" dirty="0"/>
+              <a:t>Geplantes PAP(Projekt Ablauf </a:t>
+            </a:r>
+            <a:r>
+              <a:rPr lang="de-DE" dirty="0" err="1"/>
+              <a:t>PLan</a:t>
+            </a:r>
+            <a:r>
+              <a:rPr lang="de-DE" dirty="0"/>
+              <a:t>)</a:t>
+            </a:r>
+          </a:p>
+        </p:txBody>
+      </p:sp>
+      <p:pic>
+        <p:nvPicPr>
+          <p:cNvPr id="4" name="Grafik 3" descr="Ein Bild, das Text, Diagramm, parallel, Plan enthält.&#10;&#10;KI-generierte Inhalte können fehlerhaft sein.">
+            <a:extLst>
+              <a:ext uri="{FF2B5EF4-FFF2-40B4-BE49-F238E27FC236}">
+                <a16:creationId xmlns:a16="http://schemas.microsoft.com/office/drawing/2014/main" id="{93E36E14-E75B-E4D9-3462-6B2331659CF5}"/>
+              </a:ext>
+            </a:extLst>
+          </p:cNvPr>
+          <p:cNvPicPr>
+            <a:picLocks noChangeAspect="1"/>
+          </p:cNvPicPr>
+          <p:nvPr/>
+        </p:nvPicPr>
+        <p:blipFill>
+          <a:blip r:embed="rId2">
+            <a:extLst>
+              <a:ext uri="{28A0092B-C50C-407E-A947-70E740481C1C}">
+                <a14:useLocalDpi xmlns:a14="http://schemas.microsoft.com/office/drawing/2010/main" val="0"/>
+              </a:ext>
+            </a:extLst>
+          </a:blip>
+          <a:srcRect b="62986"/>
+          <a:stretch>
+            <a:fillRect/>
+          </a:stretch>
+        </p:blipFill>
+        <p:spPr>
+          <a:xfrm>
+            <a:off x="951459" y="1679920"/>
+            <a:ext cx="5144541" cy="2430189"/>
+          </a:xfrm>
+          <a:prstGeom prst="rect">
+            <a:avLst/>
+          </a:prstGeom>
+        </p:spPr>
+      </p:pic>
+      <p:pic>
+        <p:nvPicPr>
+          <p:cNvPr id="5" name="Grafik 4" descr="Ein Bild, das Text, Diagramm, parallel, Plan enthält.&#10;&#10;KI-generierte Inhalte können fehlerhaft sein.">
+            <a:extLst>
+              <a:ext uri="{FF2B5EF4-FFF2-40B4-BE49-F238E27FC236}">
+                <a16:creationId xmlns:a16="http://schemas.microsoft.com/office/drawing/2014/main" id="{E84AA735-C2E8-EE43-671F-DC1CC50979CF}"/>
+              </a:ext>
+            </a:extLst>
+          </p:cNvPr>
+          <p:cNvPicPr>
+            <a:picLocks noChangeAspect="1"/>
+          </p:cNvPicPr>
+          <p:nvPr/>
+        </p:nvPicPr>
+        <p:blipFill>
+          <a:blip r:embed="rId2">
+            <a:extLst>
+              <a:ext uri="{28A0092B-C50C-407E-A947-70E740481C1C}">
+                <a14:useLocalDpi xmlns:a14="http://schemas.microsoft.com/office/drawing/2010/main" val="0"/>
+              </a:ext>
+            </a:extLst>
+          </a:blip>
+          <a:srcRect t="38886"/>
+          <a:stretch>
+            <a:fillRect/>
+          </a:stretch>
+        </p:blipFill>
+        <p:spPr>
+          <a:xfrm>
+            <a:off x="5802989" y="1679920"/>
+            <a:ext cx="5453141" cy="4253163"/>
+          </a:xfrm>
+          <a:prstGeom prst="rect">
+            <a:avLst/>
+          </a:prstGeom>
+        </p:spPr>
+      </p:pic>
+      <p:sp>
+        <p:nvSpPr>
+          <p:cNvPr id="3" name="Fußzeilenplatzhalter 2">
+            <a:extLst>
+              <a:ext uri="{FF2B5EF4-FFF2-40B4-BE49-F238E27FC236}">
+                <a16:creationId xmlns:a16="http://schemas.microsoft.com/office/drawing/2014/main" id="{82D49419-12A2-C95B-99F8-09580A2C7AB9}"/>
+              </a:ext>
+            </a:extLst>
+          </p:cNvPr>
+          <p:cNvSpPr>
+            <a:spLocks noGrp="1"/>
+          </p:cNvSpPr>
+          <p:nvPr>
+            <p:ph type="ftr" sz="quarter" idx="11"/>
+          </p:nvPr>
+        </p:nvSpPr>
+        <p:spPr/>
+        <p:txBody>
+          <a:bodyPr/>
+          <a:lstStyle/>
+          <a:p>
+            <a:r>
+              <a:rPr lang="sv-SE"/>
+              <a:t>Carina Halter, Laura Mirwald, Tristan Bihler, Semian Finné</a:t>
+            </a:r>
+            <a:endParaRPr lang="de-DE"/>
+          </a:p>
+        </p:txBody>
+      </p:sp>
+    </p:spTree>
+    <p:extLst>
+      <p:ext uri="{BB962C8B-B14F-4D97-AF65-F5344CB8AC3E}">
+        <p14:creationId xmlns:p14="http://schemas.microsoft.com/office/powerpoint/2010/main" val="1480108195"/>
       </p:ext>
     </p:extLst>
   </p:cSld>
@@ -7606,7 +9661,7 @@
 </p:sld>
 </file>
 
-<file path=ppt/slides/slide5.xml><?xml version="1.0" encoding="utf-8"?>
+<file path=ppt/slides/slide7.xml><?xml version="1.0" encoding="utf-8"?>
 <p:sld xmlns:a="http://schemas.openxmlformats.org/drawingml/2006/main" xmlns:r="http://schemas.openxmlformats.org/officeDocument/2006/relationships" xmlns:p="http://schemas.openxmlformats.org/presentationml/2006/main">
   <p:cSld>
     <p:spTree>
@@ -7628,7 +9683,7 @@
           <p:cNvPr id="2" name="Titel 1">
             <a:extLst>
               <a:ext uri="{FF2B5EF4-FFF2-40B4-BE49-F238E27FC236}">
-                <a16:creationId xmlns:a16="http://schemas.microsoft.com/office/drawing/2014/main" id="{A3F261C9-FE5E-C9EF-9271-1367437AA0D5}"/>
+                <a16:creationId xmlns:a16="http://schemas.microsoft.com/office/drawing/2014/main" id="{7284A0D8-3E75-35EE-AF23-197D5B2954DA}"/>
               </a:ext>
             </a:extLst>
           </p:cNvPr>
@@ -7652,76 +9707,74 @@
           </a:p>
         </p:txBody>
       </p:sp>
-      <p:sp>
-        <p:nvSpPr>
-          <p:cNvPr id="3" name="Inhaltsplatzhalter 2">
-            <a:extLst>
-              <a:ext uri="{FF2B5EF4-FFF2-40B4-BE49-F238E27FC236}">
-                <a16:creationId xmlns:a16="http://schemas.microsoft.com/office/drawing/2014/main" id="{C322D1CA-C7A4-F8B9-094D-19475FB76EA8}"/>
-              </a:ext>
-            </a:extLst>
-          </p:cNvPr>
-          <p:cNvSpPr>
-            <a:spLocks noGrp="1"/>
-          </p:cNvSpPr>
+      <p:pic>
+        <p:nvPicPr>
+          <p:cNvPr id="7" name="Inhaltsplatzhalter 6" descr="Ein Bild, das Text, Screenshot, Reihe, Rechteck enthält.&#10;&#10;KI-generierte Inhalte können fehlerhaft sein.">
+            <a:extLst>
+              <a:ext uri="{FF2B5EF4-FFF2-40B4-BE49-F238E27FC236}">
+                <a16:creationId xmlns:a16="http://schemas.microsoft.com/office/drawing/2014/main" id="{EAC82017-D82B-4113-88B8-16741F91A7A5}"/>
+              </a:ext>
+            </a:extLst>
+          </p:cNvPr>
+          <p:cNvPicPr>
+            <a:picLocks noGrp="1" noChangeAspect="1"/>
+          </p:cNvPicPr>
           <p:nvPr>
             <p:ph idx="1"/>
           </p:nvPr>
+        </p:nvPicPr>
+        <p:blipFill>
+          <a:blip r:embed="rId2">
+            <a:extLst>
+              <a:ext uri="{28A0092B-C50C-407E-A947-70E740481C1C}">
+                <a14:useLocalDpi xmlns:a14="http://schemas.microsoft.com/office/drawing/2010/main" val="0"/>
+              </a:ext>
+            </a:extLst>
+          </a:blip>
+          <a:stretch>
+            <a:fillRect/>
+          </a:stretch>
+        </p:blipFill>
+        <p:spPr>
+          <a:xfrm>
+            <a:off x="1498363" y="1971040"/>
+            <a:ext cx="9195273" cy="3573383"/>
+          </a:xfrm>
+        </p:spPr>
+      </p:pic>
+      <p:sp>
+        <p:nvSpPr>
+          <p:cNvPr id="8" name="Fußzeilenplatzhalter 7">
+            <a:extLst>
+              <a:ext uri="{FF2B5EF4-FFF2-40B4-BE49-F238E27FC236}">
+                <a16:creationId xmlns:a16="http://schemas.microsoft.com/office/drawing/2014/main" id="{74A3FB71-15B1-7DF1-A5E8-5B91D7731AD7}"/>
+              </a:ext>
+            </a:extLst>
+          </p:cNvPr>
+          <p:cNvSpPr>
+            <a:spLocks noGrp="1"/>
+          </p:cNvSpPr>
+          <p:nvPr>
+            <p:ph type="ftr" sz="quarter" idx="11"/>
+          </p:nvPr>
         </p:nvSpPr>
         <p:spPr/>
         <p:txBody>
           <a:bodyPr/>
           <a:lstStyle/>
           <a:p>
-            <a:pPr marL="0" indent="0">
-              <a:buNone/>
-            </a:pPr>
-            <a:r>
-              <a:rPr lang="de-DE" dirty="0"/>
-              <a:t>Vorteile </a:t>
-            </a:r>
-            <a:r>
-              <a:rPr lang="de-DE"/>
-              <a:t>der MVC-Architektur</a:t>
-            </a:r>
-            <a:r>
-              <a:rPr lang="de-DE" dirty="0"/>
-              <a:t>:</a:t>
-            </a:r>
-          </a:p>
-          <a:p>
-            <a:endParaRPr lang="de-DE" dirty="0"/>
-          </a:p>
-          <a:p>
-            <a:r>
-              <a:rPr lang="de-DE" dirty="0"/>
-              <a:t>Klare Trennung von Verantwortlichkeiten</a:t>
-            </a:r>
-          </a:p>
-          <a:p>
-            <a:endParaRPr lang="de-DE" dirty="0"/>
-          </a:p>
-          <a:p>
-            <a:r>
-              <a:rPr lang="de-DE" dirty="0"/>
-              <a:t>Wiederverwendbarkeit und Modularität</a:t>
-            </a:r>
-          </a:p>
-          <a:p>
-            <a:endParaRPr lang="de-DE" dirty="0"/>
-          </a:p>
-          <a:p>
-            <a:r>
-              <a:rPr lang="de-DE" dirty="0"/>
-              <a:t>Bessere Übersicht und Struktur im Code</a:t>
-            </a:r>
+            <a:r>
+              <a:rPr lang="sv-SE"/>
+              <a:t>Carina Halter, Laura Mirwald, Tristan Bihler, Semian Finné</a:t>
+            </a:r>
+            <a:endParaRPr lang="de-DE"/>
           </a:p>
         </p:txBody>
       </p:sp>
     </p:spTree>
     <p:extLst>
       <p:ext uri="{BB962C8B-B14F-4D97-AF65-F5344CB8AC3E}">
-        <p14:creationId xmlns:p14="http://schemas.microsoft.com/office/powerpoint/2010/main" val="42645003"/>
+        <p14:creationId xmlns:p14="http://schemas.microsoft.com/office/powerpoint/2010/main" val="2627728501"/>
       </p:ext>
     </p:extLst>
   </p:cSld>
@@ -7731,7 +9784,7 @@
 </p:sld>
 </file>
 
-<file path=ppt/slides/slide6.xml><?xml version="1.0" encoding="utf-8"?>
+<file path=ppt/slides/slide8.xml><?xml version="1.0" encoding="utf-8"?>
 <p:sld xmlns:a="http://schemas.openxmlformats.org/drawingml/2006/main" xmlns:r="http://schemas.openxmlformats.org/officeDocument/2006/relationships" xmlns:p="http://schemas.openxmlformats.org/presentationml/2006/main">
   <p:cSld>
     <p:spTree>
@@ -7753,6 +9806,160 @@
           <p:cNvPr id="2" name="Titel 1">
             <a:extLst>
               <a:ext uri="{FF2B5EF4-FFF2-40B4-BE49-F238E27FC236}">
+                <a16:creationId xmlns:a16="http://schemas.microsoft.com/office/drawing/2014/main" id="{A3F261C9-FE5E-C9EF-9271-1367437AA0D5}"/>
+              </a:ext>
+            </a:extLst>
+          </p:cNvPr>
+          <p:cNvSpPr>
+            <a:spLocks noGrp="1"/>
+          </p:cNvSpPr>
+          <p:nvPr>
+            <p:ph type="title"/>
+          </p:nvPr>
+        </p:nvSpPr>
+        <p:spPr/>
+        <p:txBody>
+          <a:bodyPr/>
+          <a:lstStyle/>
+          <a:p>
+            <a:r>
+              <a:rPr lang="de-DE" dirty="0" err="1"/>
+              <a:t>Programmarchitketur</a:t>
+            </a:r>
+            <a:endParaRPr lang="de-DE" dirty="0"/>
+          </a:p>
+        </p:txBody>
+      </p:sp>
+      <p:sp>
+        <p:nvSpPr>
+          <p:cNvPr id="3" name="Inhaltsplatzhalter 2">
+            <a:extLst>
+              <a:ext uri="{FF2B5EF4-FFF2-40B4-BE49-F238E27FC236}">
+                <a16:creationId xmlns:a16="http://schemas.microsoft.com/office/drawing/2014/main" id="{C322D1CA-C7A4-F8B9-094D-19475FB76EA8}"/>
+              </a:ext>
+            </a:extLst>
+          </p:cNvPr>
+          <p:cNvSpPr>
+            <a:spLocks noGrp="1"/>
+          </p:cNvSpPr>
+          <p:nvPr>
+            <p:ph idx="1"/>
+          </p:nvPr>
+        </p:nvSpPr>
+        <p:spPr/>
+        <p:txBody>
+          <a:bodyPr/>
+          <a:lstStyle/>
+          <a:p>
+            <a:pPr marL="0" indent="0">
+              <a:buNone/>
+            </a:pPr>
+            <a:r>
+              <a:rPr lang="de-DE" dirty="0"/>
+              <a:t>Vorteile </a:t>
+            </a:r>
+            <a:r>
+              <a:rPr lang="de-DE"/>
+              <a:t>der MVC-Architektur</a:t>
+            </a:r>
+            <a:r>
+              <a:rPr lang="de-DE" dirty="0"/>
+              <a:t>:</a:t>
+            </a:r>
+          </a:p>
+          <a:p>
+            <a:endParaRPr lang="de-DE" dirty="0"/>
+          </a:p>
+          <a:p>
+            <a:r>
+              <a:rPr lang="de-DE" dirty="0"/>
+              <a:t>Klare Trennung von Verantwortlichkeiten</a:t>
+            </a:r>
+          </a:p>
+          <a:p>
+            <a:endParaRPr lang="de-DE" dirty="0"/>
+          </a:p>
+          <a:p>
+            <a:r>
+              <a:rPr lang="de-DE" dirty="0"/>
+              <a:t>Wiederverwendbarkeit und Modularität</a:t>
+            </a:r>
+          </a:p>
+          <a:p>
+            <a:endParaRPr lang="de-DE" dirty="0"/>
+          </a:p>
+          <a:p>
+            <a:r>
+              <a:rPr lang="de-DE" dirty="0"/>
+              <a:t>Bessere Übersicht und Struktur im Code</a:t>
+            </a:r>
+          </a:p>
+        </p:txBody>
+      </p:sp>
+      <p:sp>
+        <p:nvSpPr>
+          <p:cNvPr id="4" name="Fußzeilenplatzhalter 3">
+            <a:extLst>
+              <a:ext uri="{FF2B5EF4-FFF2-40B4-BE49-F238E27FC236}">
+                <a16:creationId xmlns:a16="http://schemas.microsoft.com/office/drawing/2014/main" id="{D9255CE1-0F77-7F26-9A65-CBE0EC880C52}"/>
+              </a:ext>
+            </a:extLst>
+          </p:cNvPr>
+          <p:cNvSpPr>
+            <a:spLocks noGrp="1"/>
+          </p:cNvSpPr>
+          <p:nvPr>
+            <p:ph type="ftr" sz="quarter" idx="11"/>
+          </p:nvPr>
+        </p:nvSpPr>
+        <p:spPr/>
+        <p:txBody>
+          <a:bodyPr/>
+          <a:lstStyle/>
+          <a:p>
+            <a:r>
+              <a:rPr lang="sv-SE"/>
+              <a:t>Carina Halter, Laura Mirwald, Tristan Bihler, Semian Finné</a:t>
+            </a:r>
+            <a:endParaRPr lang="de-DE"/>
+          </a:p>
+        </p:txBody>
+      </p:sp>
+    </p:spTree>
+    <p:extLst>
+      <p:ext uri="{BB962C8B-B14F-4D97-AF65-F5344CB8AC3E}">
+        <p14:creationId xmlns:p14="http://schemas.microsoft.com/office/powerpoint/2010/main" val="42645003"/>
+      </p:ext>
+    </p:extLst>
+  </p:cSld>
+  <p:clrMapOvr>
+    <a:masterClrMapping/>
+  </p:clrMapOvr>
+</p:sld>
+</file>
+
+<file path=ppt/slides/slide9.xml><?xml version="1.0" encoding="utf-8"?>
+<p:sld xmlns:a="http://schemas.openxmlformats.org/drawingml/2006/main" xmlns:r="http://schemas.openxmlformats.org/officeDocument/2006/relationships" xmlns:p="http://schemas.openxmlformats.org/presentationml/2006/main">
+  <p:cSld>
+    <p:spTree>
+      <p:nvGrpSpPr>
+        <p:cNvPr id="1" name=""/>
+        <p:cNvGrpSpPr/>
+        <p:nvPr/>
+      </p:nvGrpSpPr>
+      <p:grpSpPr>
+        <a:xfrm>
+          <a:off x="0" y="0"/>
+          <a:ext cx="0" cy="0"/>
+          <a:chOff x="0" y="0"/>
+          <a:chExt cx="0" cy="0"/>
+        </a:xfrm>
+      </p:grpSpPr>
+      <p:sp>
+        <p:nvSpPr>
+          <p:cNvPr id="2" name="Titel 1">
+            <a:extLst>
+              <a:ext uri="{FF2B5EF4-FFF2-40B4-BE49-F238E27FC236}">
                 <a16:creationId xmlns:a16="http://schemas.microsoft.com/office/drawing/2014/main" id="{98726CC3-21AE-7554-50D6-DBAB2D19DB06}"/>
               </a:ext>
             </a:extLst>
@@ -7831,6 +10038,35 @@
               <a:rPr lang="de-DE" dirty="0"/>
               <a:t>Erschwerte Kommunikation zwischen den Komponenten bei komplexen Programmen</a:t>
             </a:r>
+          </a:p>
+        </p:txBody>
+      </p:sp>
+      <p:sp>
+        <p:nvSpPr>
+          <p:cNvPr id="4" name="Fußzeilenplatzhalter 3">
+            <a:extLst>
+              <a:ext uri="{FF2B5EF4-FFF2-40B4-BE49-F238E27FC236}">
+                <a16:creationId xmlns:a16="http://schemas.microsoft.com/office/drawing/2014/main" id="{AC60CF52-B81F-4268-A1B9-CB4CDF31F0A3}"/>
+              </a:ext>
+            </a:extLst>
+          </p:cNvPr>
+          <p:cNvSpPr>
+            <a:spLocks noGrp="1"/>
+          </p:cNvSpPr>
+          <p:nvPr>
+            <p:ph type="ftr" sz="quarter" idx="11"/>
+          </p:nvPr>
+        </p:nvSpPr>
+        <p:spPr/>
+        <p:txBody>
+          <a:bodyPr/>
+          <a:lstStyle/>
+          <a:p>
+            <a:r>
+              <a:rPr lang="sv-SE"/>
+              <a:t>Carina Halter, Laura Mirwald, Tristan Bihler, Semian Finné</a:t>
+            </a:r>
+            <a:endParaRPr lang="de-DE"/>
           </a:p>
         </p:txBody>
       </p:sp>
